--- a/reports/0_Machine Learning Presentation Template - Templateswise.com.pptx
+++ b/reports/0_Machine Learning Presentation Template - Templateswise.com.pptx
@@ -6,14 +6,35 @@
     <p:sldMasterId id="2147483676" r:id="rId2"/>
   </p:sldMasterIdLst>
   <p:notesMasterIdLst>
-    <p:notesMasterId r:id="rId8"/>
+    <p:notesMasterId r:id="rId29"/>
   </p:notesMasterIdLst>
   <p:sldIdLst>
     <p:sldId id="256" r:id="rId3"/>
     <p:sldId id="257" r:id="rId4"/>
-    <p:sldId id="258" r:id="rId5"/>
-    <p:sldId id="259" r:id="rId6"/>
-    <p:sldId id="260" r:id="rId7"/>
+    <p:sldId id="261" r:id="rId5"/>
+    <p:sldId id="258" r:id="rId6"/>
+    <p:sldId id="265" r:id="rId7"/>
+    <p:sldId id="259" r:id="rId8"/>
+    <p:sldId id="267" r:id="rId9"/>
+    <p:sldId id="266" r:id="rId10"/>
+    <p:sldId id="268" r:id="rId11"/>
+    <p:sldId id="271" r:id="rId12"/>
+    <p:sldId id="260" r:id="rId13"/>
+    <p:sldId id="269" r:id="rId14"/>
+    <p:sldId id="270" r:id="rId15"/>
+    <p:sldId id="272" r:id="rId16"/>
+    <p:sldId id="273" r:id="rId17"/>
+    <p:sldId id="274" r:id="rId18"/>
+    <p:sldId id="275" r:id="rId19"/>
+    <p:sldId id="276" r:id="rId20"/>
+    <p:sldId id="284" r:id="rId21"/>
+    <p:sldId id="279" r:id="rId22"/>
+    <p:sldId id="283" r:id="rId23"/>
+    <p:sldId id="262" r:id="rId24"/>
+    <p:sldId id="264" r:id="rId25"/>
+    <p:sldId id="282" r:id="rId26"/>
+    <p:sldId id="281" r:id="rId27"/>
+    <p:sldId id="280" r:id="rId28"/>
   </p:sldIdLst>
   <p:sldSz cx="9144000" cy="5143500" type="screen16x9"/>
   <p:notesSz cx="6858000" cy="9144000"/>
@@ -31454,6 +31475,957 @@
 </p:sld>
 </file>
 
+<file path=ppt/slides/slide10.xml><?xml version="1.0" encoding="utf-8"?>
+<p:sld xmlns:a="http://schemas.openxmlformats.org/drawingml/2006/main" xmlns:r="http://schemas.openxmlformats.org/officeDocument/2006/relationships" xmlns:p="http://schemas.openxmlformats.org/presentationml/2006/main">
+  <p:cSld>
+    <p:spTree>
+      <p:nvGrpSpPr>
+        <p:cNvPr id="1" name=""/>
+        <p:cNvGrpSpPr/>
+        <p:nvPr/>
+      </p:nvGrpSpPr>
+      <p:grpSpPr>
+        <a:xfrm>
+          <a:off x="0" y="0"/>
+          <a:ext cx="0" cy="0"/>
+          <a:chOff x="0" y="0"/>
+          <a:chExt cx="0" cy="0"/>
+        </a:xfrm>
+      </p:grpSpPr>
+      <p:pic>
+        <p:nvPicPr>
+          <p:cNvPr id="5" name="Picture 4">
+            <a:extLst>
+              <a:ext uri="{FF2B5EF4-FFF2-40B4-BE49-F238E27FC236}">
+                <a16:creationId xmlns:a16="http://schemas.microsoft.com/office/drawing/2014/main" id="{CF80FD5F-4B55-ADD3-9CA3-F718EB2FD0F5}"/>
+              </a:ext>
+            </a:extLst>
+          </p:cNvPr>
+          <p:cNvPicPr>
+            <a:picLocks noChangeAspect="1"/>
+          </p:cNvPicPr>
+          <p:nvPr/>
+        </p:nvPicPr>
+        <p:blipFill>
+          <a:blip r:embed="rId2"/>
+          <a:stretch>
+            <a:fillRect/>
+          </a:stretch>
+        </p:blipFill>
+        <p:spPr>
+          <a:xfrm>
+            <a:off x="0" y="19346"/>
+            <a:ext cx="9144000" cy="5124154"/>
+          </a:xfrm>
+          <a:prstGeom prst="rect">
+            <a:avLst/>
+          </a:prstGeom>
+        </p:spPr>
+      </p:pic>
+    </p:spTree>
+    <p:extLst>
+      <p:ext uri="{BB962C8B-B14F-4D97-AF65-F5344CB8AC3E}">
+        <p14:creationId xmlns:p14="http://schemas.microsoft.com/office/powerpoint/2010/main" val="956527930"/>
+      </p:ext>
+    </p:extLst>
+  </p:cSld>
+  <p:clrMapOvr>
+    <a:masterClrMapping/>
+  </p:clrMapOvr>
+</p:sld>
+</file>
+
+<file path=ppt/slides/slide11.xml><?xml version="1.0" encoding="utf-8"?>
+<p:sld xmlns:a="http://schemas.openxmlformats.org/drawingml/2006/main" xmlns:r="http://schemas.openxmlformats.org/officeDocument/2006/relationships" xmlns:p="http://schemas.openxmlformats.org/presentationml/2006/main">
+  <p:cSld>
+    <p:spTree>
+      <p:nvGrpSpPr>
+        <p:cNvPr id="1" name="Shape 291"/>
+        <p:cNvGrpSpPr/>
+        <p:nvPr/>
+      </p:nvGrpSpPr>
+      <p:grpSpPr>
+        <a:xfrm>
+          <a:off x="0" y="0"/>
+          <a:ext cx="0" cy="0"/>
+          <a:chOff x="0" y="0"/>
+          <a:chExt cx="0" cy="0"/>
+        </a:xfrm>
+      </p:grpSpPr>
+      <p:pic>
+        <p:nvPicPr>
+          <p:cNvPr id="7" name="Picture 6">
+            <a:extLst>
+              <a:ext uri="{FF2B5EF4-FFF2-40B4-BE49-F238E27FC236}">
+                <a16:creationId xmlns:a16="http://schemas.microsoft.com/office/drawing/2014/main" id="{F55A6A36-B1E4-28A1-62D3-49A746BFB152}"/>
+              </a:ext>
+            </a:extLst>
+          </p:cNvPr>
+          <p:cNvPicPr>
+            <a:picLocks noChangeAspect="1"/>
+          </p:cNvPicPr>
+          <p:nvPr/>
+        </p:nvPicPr>
+        <p:blipFill>
+          <a:blip r:embed="rId3"/>
+          <a:stretch>
+            <a:fillRect/>
+          </a:stretch>
+        </p:blipFill>
+        <p:spPr>
+          <a:xfrm>
+            <a:off x="723965" y="637346"/>
+            <a:ext cx="7821116" cy="3134162"/>
+          </a:xfrm>
+          <a:prstGeom prst="rect">
+            <a:avLst/>
+          </a:prstGeom>
+        </p:spPr>
+      </p:pic>
+    </p:spTree>
+  </p:cSld>
+  <p:clrMapOvr>
+    <a:masterClrMapping/>
+  </p:clrMapOvr>
+</p:sld>
+</file>
+
+<file path=ppt/slides/slide12.xml><?xml version="1.0" encoding="utf-8"?>
+<p:sld xmlns:a="http://schemas.openxmlformats.org/drawingml/2006/main" xmlns:r="http://schemas.openxmlformats.org/officeDocument/2006/relationships" xmlns:p="http://schemas.openxmlformats.org/presentationml/2006/main">
+  <p:cSld>
+    <p:spTree>
+      <p:nvGrpSpPr>
+        <p:cNvPr id="1" name=""/>
+        <p:cNvGrpSpPr/>
+        <p:nvPr/>
+      </p:nvGrpSpPr>
+      <p:grpSpPr>
+        <a:xfrm>
+          <a:off x="0" y="0"/>
+          <a:ext cx="0" cy="0"/>
+          <a:chOff x="0" y="0"/>
+          <a:chExt cx="0" cy="0"/>
+        </a:xfrm>
+      </p:grpSpPr>
+      <p:sp>
+        <p:nvSpPr>
+          <p:cNvPr id="2" name="Title 1">
+            <a:extLst>
+              <a:ext uri="{FF2B5EF4-FFF2-40B4-BE49-F238E27FC236}">
+                <a16:creationId xmlns:a16="http://schemas.microsoft.com/office/drawing/2014/main" id="{02A7F7F6-639F-DCC8-7F1A-AA269DFD18CA}"/>
+              </a:ext>
+            </a:extLst>
+          </p:cNvPr>
+          <p:cNvSpPr>
+            <a:spLocks noGrp="1"/>
+          </p:cNvSpPr>
+          <p:nvPr>
+            <p:ph type="title"/>
+          </p:nvPr>
+        </p:nvSpPr>
+        <p:spPr/>
+        <p:txBody>
+          <a:bodyPr/>
+          <a:lstStyle/>
+          <a:p>
+            <a:r>
+              <a:rPr lang="en-US" dirty="0"/>
+              <a:t>Class Balancing</a:t>
+            </a:r>
+          </a:p>
+        </p:txBody>
+      </p:sp>
+      <p:sp>
+        <p:nvSpPr>
+          <p:cNvPr id="3" name="Text Placeholder 2">
+            <a:extLst>
+              <a:ext uri="{FF2B5EF4-FFF2-40B4-BE49-F238E27FC236}">
+                <a16:creationId xmlns:a16="http://schemas.microsoft.com/office/drawing/2014/main" id="{86128B6A-3011-F1F7-8FAA-7571BDE9B523}"/>
+              </a:ext>
+            </a:extLst>
+          </p:cNvPr>
+          <p:cNvSpPr>
+            <a:spLocks noGrp="1"/>
+          </p:cNvSpPr>
+          <p:nvPr>
+            <p:ph type="body" idx="1"/>
+          </p:nvPr>
+        </p:nvSpPr>
+        <p:spPr>
+          <a:xfrm>
+            <a:off x="4078288" y="2490933"/>
+            <a:ext cx="4608512" cy="505509"/>
+          </a:xfrm>
+        </p:spPr>
+        <p:txBody>
+          <a:bodyPr/>
+          <a:lstStyle/>
+          <a:p>
+            <a:pPr marL="514350" indent="-285750">
+              <a:buFont typeface="Arial" panose="020B0604020202020204" pitchFamily="34" charset="0"/>
+              <a:buChar char="•"/>
+            </a:pPr>
+            <a:r>
+              <a:rPr lang="en-US" sz="1800" dirty="0">
+                <a:solidFill>
+                  <a:srgbClr val="49CFAE"/>
+                </a:solidFill>
+              </a:rPr>
+              <a:t>Original Imbalance:</a:t>
+            </a:r>
+          </a:p>
+          <a:p>
+            <a:pPr marL="971550" lvl="1" indent="-285750">
+              <a:buFont typeface="Courier New" panose="02070309020205020404" pitchFamily="49" charset="0"/>
+              <a:buChar char="o"/>
+            </a:pPr>
+            <a:r>
+              <a:rPr lang="en-US" sz="1600" dirty="0">
+                <a:solidFill>
+                  <a:srgbClr val="49CFAE"/>
+                </a:solidFill>
+              </a:rPr>
+              <a:t>Fraudulent cases constituted a small fraction (often &lt;10%) of the dataset.</a:t>
+            </a:r>
+          </a:p>
+          <a:p>
+            <a:pPr marL="514350" indent="-285750">
+              <a:buFont typeface="Arial" panose="020B0604020202020204" pitchFamily="34" charset="0"/>
+              <a:buChar char="•"/>
+            </a:pPr>
+            <a:r>
+              <a:rPr lang="en-US" sz="1800" dirty="0" err="1">
+                <a:solidFill>
+                  <a:srgbClr val="49CFAE"/>
+                </a:solidFill>
+              </a:rPr>
+              <a:t>Undersampling</a:t>
+            </a:r>
+            <a:r>
+              <a:rPr lang="en-US" sz="1800" dirty="0">
+                <a:solidFill>
+                  <a:srgbClr val="49CFAE"/>
+                </a:solidFill>
+              </a:rPr>
+              <a:t>:</a:t>
+            </a:r>
+          </a:p>
+          <a:p>
+            <a:pPr marL="971550" lvl="1" indent="-285750">
+              <a:buFont typeface="Courier New" panose="02070309020205020404" pitchFamily="49" charset="0"/>
+              <a:buChar char="o"/>
+            </a:pPr>
+            <a:r>
+              <a:rPr lang="en-US" sz="1600" dirty="0">
+                <a:solidFill>
+                  <a:srgbClr val="49CFAE"/>
+                </a:solidFill>
+              </a:rPr>
+              <a:t>Balanced the dataset by reducing the number of non-fraud cases to match fraud cases, preventing model bias toward the majority class.</a:t>
+            </a:r>
+          </a:p>
+        </p:txBody>
+      </p:sp>
+    </p:spTree>
+    <p:extLst>
+      <p:ext uri="{BB962C8B-B14F-4D97-AF65-F5344CB8AC3E}">
+        <p14:creationId xmlns:p14="http://schemas.microsoft.com/office/powerpoint/2010/main" val="2524148004"/>
+      </p:ext>
+    </p:extLst>
+  </p:cSld>
+  <p:clrMapOvr>
+    <a:masterClrMapping/>
+  </p:clrMapOvr>
+</p:sld>
+</file>
+
+<file path=ppt/slides/slide13.xml><?xml version="1.0" encoding="utf-8"?>
+<p:sld xmlns:a="http://schemas.openxmlformats.org/drawingml/2006/main" xmlns:r="http://schemas.openxmlformats.org/officeDocument/2006/relationships" xmlns:p="http://schemas.openxmlformats.org/presentationml/2006/main">
+  <p:cSld>
+    <p:spTree>
+      <p:nvGrpSpPr>
+        <p:cNvPr id="1" name=""/>
+        <p:cNvGrpSpPr/>
+        <p:nvPr/>
+      </p:nvGrpSpPr>
+      <p:grpSpPr>
+        <a:xfrm>
+          <a:off x="0" y="0"/>
+          <a:ext cx="0" cy="0"/>
+          <a:chOff x="0" y="0"/>
+          <a:chExt cx="0" cy="0"/>
+        </a:xfrm>
+      </p:grpSpPr>
+      <p:pic>
+        <p:nvPicPr>
+          <p:cNvPr id="5" name="Picture 4">
+            <a:extLst>
+              <a:ext uri="{FF2B5EF4-FFF2-40B4-BE49-F238E27FC236}">
+                <a16:creationId xmlns:a16="http://schemas.microsoft.com/office/drawing/2014/main" id="{C6A56C60-62DE-8521-A6D6-18DF3D0FDFEE}"/>
+              </a:ext>
+            </a:extLst>
+          </p:cNvPr>
+          <p:cNvPicPr>
+            <a:picLocks noChangeAspect="1"/>
+          </p:cNvPicPr>
+          <p:nvPr/>
+        </p:nvPicPr>
+        <p:blipFill>
+          <a:blip r:embed="rId2"/>
+          <a:stretch>
+            <a:fillRect/>
+          </a:stretch>
+        </p:blipFill>
+        <p:spPr>
+          <a:xfrm>
+            <a:off x="0" y="855479"/>
+            <a:ext cx="4443444" cy="3432542"/>
+          </a:xfrm>
+          <a:prstGeom prst="rect">
+            <a:avLst/>
+          </a:prstGeom>
+        </p:spPr>
+      </p:pic>
+      <p:pic>
+        <p:nvPicPr>
+          <p:cNvPr id="7" name="Picture 6">
+            <a:extLst>
+              <a:ext uri="{FF2B5EF4-FFF2-40B4-BE49-F238E27FC236}">
+                <a16:creationId xmlns:a16="http://schemas.microsoft.com/office/drawing/2014/main" id="{73FDE062-746C-0FAE-A6B0-A17F14FC1837}"/>
+              </a:ext>
+            </a:extLst>
+          </p:cNvPr>
+          <p:cNvPicPr>
+            <a:picLocks noChangeAspect="1"/>
+          </p:cNvPicPr>
+          <p:nvPr/>
+        </p:nvPicPr>
+        <p:blipFill>
+          <a:blip r:embed="rId3"/>
+          <a:stretch>
+            <a:fillRect/>
+          </a:stretch>
+        </p:blipFill>
+        <p:spPr>
+          <a:xfrm>
+            <a:off x="4632780" y="855479"/>
+            <a:ext cx="4307651" cy="3432542"/>
+          </a:xfrm>
+          <a:prstGeom prst="rect">
+            <a:avLst/>
+          </a:prstGeom>
+        </p:spPr>
+      </p:pic>
+    </p:spTree>
+    <p:extLst>
+      <p:ext uri="{BB962C8B-B14F-4D97-AF65-F5344CB8AC3E}">
+        <p14:creationId xmlns:p14="http://schemas.microsoft.com/office/powerpoint/2010/main" val="794385952"/>
+      </p:ext>
+    </p:extLst>
+  </p:cSld>
+  <p:clrMapOvr>
+    <a:masterClrMapping/>
+  </p:clrMapOvr>
+</p:sld>
+</file>
+
+<file path=ppt/slides/slide14.xml><?xml version="1.0" encoding="utf-8"?>
+<p:sld xmlns:a="http://schemas.openxmlformats.org/drawingml/2006/main" xmlns:r="http://schemas.openxmlformats.org/officeDocument/2006/relationships" xmlns:p="http://schemas.openxmlformats.org/presentationml/2006/main">
+  <p:cSld>
+    <p:spTree>
+      <p:nvGrpSpPr>
+        <p:cNvPr id="1" name=""/>
+        <p:cNvGrpSpPr/>
+        <p:nvPr/>
+      </p:nvGrpSpPr>
+      <p:grpSpPr>
+        <a:xfrm>
+          <a:off x="0" y="0"/>
+          <a:ext cx="0" cy="0"/>
+          <a:chOff x="0" y="0"/>
+          <a:chExt cx="0" cy="0"/>
+        </a:xfrm>
+      </p:grpSpPr>
+      <p:pic>
+        <p:nvPicPr>
+          <p:cNvPr id="5" name="Picture 4">
+            <a:extLst>
+              <a:ext uri="{FF2B5EF4-FFF2-40B4-BE49-F238E27FC236}">
+                <a16:creationId xmlns:a16="http://schemas.microsoft.com/office/drawing/2014/main" id="{61F08A4D-02DA-6641-C315-E3EABABA1A0A}"/>
+              </a:ext>
+            </a:extLst>
+          </p:cNvPr>
+          <p:cNvPicPr>
+            <a:picLocks noChangeAspect="1"/>
+          </p:cNvPicPr>
+          <p:nvPr/>
+        </p:nvPicPr>
+        <p:blipFill>
+          <a:blip r:embed="rId2"/>
+          <a:stretch>
+            <a:fillRect/>
+          </a:stretch>
+        </p:blipFill>
+        <p:spPr>
+          <a:xfrm>
+            <a:off x="359508" y="926733"/>
+            <a:ext cx="3897190" cy="2956748"/>
+          </a:xfrm>
+          <a:prstGeom prst="rect">
+            <a:avLst/>
+          </a:prstGeom>
+        </p:spPr>
+      </p:pic>
+      <p:pic>
+        <p:nvPicPr>
+          <p:cNvPr id="7" name="Picture 6">
+            <a:extLst>
+              <a:ext uri="{FF2B5EF4-FFF2-40B4-BE49-F238E27FC236}">
+                <a16:creationId xmlns:a16="http://schemas.microsoft.com/office/drawing/2014/main" id="{CC1C8A0C-0C50-046B-9ACB-2A164DEF410D}"/>
+              </a:ext>
+            </a:extLst>
+          </p:cNvPr>
+          <p:cNvPicPr>
+            <a:picLocks noChangeAspect="1"/>
+          </p:cNvPicPr>
+          <p:nvPr/>
+        </p:nvPicPr>
+        <p:blipFill>
+          <a:blip r:embed="rId3"/>
+          <a:stretch>
+            <a:fillRect/>
+          </a:stretch>
+        </p:blipFill>
+        <p:spPr>
+          <a:xfrm>
+            <a:off x="5024057" y="926734"/>
+            <a:ext cx="3897190" cy="2956748"/>
+          </a:xfrm>
+          <a:prstGeom prst="rect">
+            <a:avLst/>
+          </a:prstGeom>
+        </p:spPr>
+      </p:pic>
+    </p:spTree>
+    <p:extLst>
+      <p:ext uri="{BB962C8B-B14F-4D97-AF65-F5344CB8AC3E}">
+        <p14:creationId xmlns:p14="http://schemas.microsoft.com/office/powerpoint/2010/main" val="3797328802"/>
+      </p:ext>
+    </p:extLst>
+  </p:cSld>
+  <p:clrMapOvr>
+    <a:masterClrMapping/>
+  </p:clrMapOvr>
+</p:sld>
+</file>
+
+<file path=ppt/slides/slide15.xml><?xml version="1.0" encoding="utf-8"?>
+<p:sld xmlns:a="http://schemas.openxmlformats.org/drawingml/2006/main" xmlns:r="http://schemas.openxmlformats.org/officeDocument/2006/relationships" xmlns:p="http://schemas.openxmlformats.org/presentationml/2006/main">
+  <p:cSld>
+    <p:spTree>
+      <p:nvGrpSpPr>
+        <p:cNvPr id="1" name=""/>
+        <p:cNvGrpSpPr/>
+        <p:nvPr/>
+      </p:nvGrpSpPr>
+      <p:grpSpPr>
+        <a:xfrm>
+          <a:off x="0" y="0"/>
+          <a:ext cx="0" cy="0"/>
+          <a:chOff x="0" y="0"/>
+          <a:chExt cx="0" cy="0"/>
+        </a:xfrm>
+      </p:grpSpPr>
+      <p:sp>
+        <p:nvSpPr>
+          <p:cNvPr id="2" name="Title 1">
+            <a:extLst>
+              <a:ext uri="{FF2B5EF4-FFF2-40B4-BE49-F238E27FC236}">
+                <a16:creationId xmlns:a16="http://schemas.microsoft.com/office/drawing/2014/main" id="{EC9DE0BF-9673-76C8-B708-E24296981281}"/>
+              </a:ext>
+            </a:extLst>
+          </p:cNvPr>
+          <p:cNvSpPr>
+            <a:spLocks noGrp="1"/>
+          </p:cNvSpPr>
+          <p:nvPr>
+            <p:ph type="title"/>
+          </p:nvPr>
+        </p:nvSpPr>
+        <p:spPr/>
+        <p:txBody>
+          <a:bodyPr/>
+          <a:lstStyle/>
+          <a:p>
+            <a:r>
+              <a:rPr lang="en-US" dirty="0"/>
+              <a:t>Model Selection &amp; Training</a:t>
+            </a:r>
+          </a:p>
+        </p:txBody>
+      </p:sp>
+      <p:sp>
+        <p:nvSpPr>
+          <p:cNvPr id="3" name="Text Placeholder 2">
+            <a:extLst>
+              <a:ext uri="{FF2B5EF4-FFF2-40B4-BE49-F238E27FC236}">
+                <a16:creationId xmlns:a16="http://schemas.microsoft.com/office/drawing/2014/main" id="{A32E33EF-4E99-9AA4-7542-0D9D922060B6}"/>
+              </a:ext>
+            </a:extLst>
+          </p:cNvPr>
+          <p:cNvSpPr>
+            <a:spLocks noGrp="1"/>
+          </p:cNvSpPr>
+          <p:nvPr>
+            <p:ph type="body" idx="1"/>
+          </p:nvPr>
+        </p:nvSpPr>
+        <p:spPr/>
+        <p:txBody>
+          <a:bodyPr/>
+          <a:lstStyle/>
+          <a:p>
+            <a:pPr marL="571500" indent="-342900" algn="just">
+              <a:buFont typeface="Arial" panose="020B0604020202020204" pitchFamily="34" charset="0"/>
+              <a:buChar char="•"/>
+            </a:pPr>
+            <a:r>
+              <a:rPr lang="en-US" sz="2000" dirty="0"/>
+              <a:t>Compared Algorithms:</a:t>
+            </a:r>
+          </a:p>
+          <a:p>
+            <a:pPr marL="1028700" lvl="1" algn="just">
+              <a:buFont typeface="Arial" panose="020B0604020202020204" pitchFamily="34" charset="0"/>
+              <a:buChar char="•"/>
+            </a:pPr>
+            <a:r>
+              <a:rPr lang="en-US" sz="1600" dirty="0"/>
+              <a:t>Decision Tree, K-Nearest Neighbors (KNN), Support Vector Machine (SVM), Random Forest (RF), and </a:t>
+            </a:r>
+            <a:r>
+              <a:rPr lang="en-US" sz="1600" dirty="0" err="1"/>
+              <a:t>XGBoost</a:t>
+            </a:r>
+            <a:r>
+              <a:rPr lang="en-US" sz="1600" dirty="0"/>
+              <a:t>.</a:t>
+            </a:r>
+            <a:endParaRPr lang="en-US" sz="2600" dirty="0"/>
+          </a:p>
+          <a:p>
+            <a:pPr marL="571500" indent="-342900" algn="just">
+              <a:buFont typeface="Arial" panose="020B0604020202020204" pitchFamily="34" charset="0"/>
+              <a:buChar char="•"/>
+            </a:pPr>
+            <a:r>
+              <a:rPr lang="en-US" sz="2000" dirty="0"/>
+              <a:t>Why SVM, RF, </a:t>
+            </a:r>
+            <a:r>
+              <a:rPr lang="en-US" sz="2000" dirty="0" err="1"/>
+              <a:t>XGBoost</a:t>
+            </a:r>
+            <a:r>
+              <a:rPr lang="en-US" sz="2000" dirty="0"/>
+              <a:t> for Tuning:</a:t>
+            </a:r>
+          </a:p>
+          <a:p>
+            <a:pPr marL="1028700" lvl="1" algn="just">
+              <a:buFont typeface="Arial" panose="020B0604020202020204" pitchFamily="34" charset="0"/>
+              <a:buChar char="•"/>
+            </a:pPr>
+            <a:r>
+              <a:rPr lang="en-US" sz="1600" dirty="0"/>
+              <a:t>These models showed promising initial results, strong generalization performance, and are known for handling tabular data and complex feature interactions.</a:t>
+            </a:r>
+          </a:p>
+        </p:txBody>
+      </p:sp>
+    </p:spTree>
+    <p:extLst>
+      <p:ext uri="{BB962C8B-B14F-4D97-AF65-F5344CB8AC3E}">
+        <p14:creationId xmlns:p14="http://schemas.microsoft.com/office/powerpoint/2010/main" val="298421163"/>
+      </p:ext>
+    </p:extLst>
+  </p:cSld>
+  <p:clrMapOvr>
+    <a:masterClrMapping/>
+  </p:clrMapOvr>
+</p:sld>
+</file>
+
+<file path=ppt/slides/slide16.xml><?xml version="1.0" encoding="utf-8"?>
+<p:sld xmlns:a="http://schemas.openxmlformats.org/drawingml/2006/main" xmlns:r="http://schemas.openxmlformats.org/officeDocument/2006/relationships" xmlns:p="http://schemas.openxmlformats.org/presentationml/2006/main">
+  <p:cSld>
+    <p:spTree>
+      <p:nvGrpSpPr>
+        <p:cNvPr id="1" name=""/>
+        <p:cNvGrpSpPr/>
+        <p:nvPr/>
+      </p:nvGrpSpPr>
+      <p:grpSpPr>
+        <a:xfrm>
+          <a:off x="0" y="0"/>
+          <a:ext cx="0" cy="0"/>
+          <a:chOff x="0" y="0"/>
+          <a:chExt cx="0" cy="0"/>
+        </a:xfrm>
+      </p:grpSpPr>
+      <p:pic>
+        <p:nvPicPr>
+          <p:cNvPr id="5" name="Picture 4">
+            <a:extLst>
+              <a:ext uri="{FF2B5EF4-FFF2-40B4-BE49-F238E27FC236}">
+                <a16:creationId xmlns:a16="http://schemas.microsoft.com/office/drawing/2014/main" id="{DE203817-8DF4-C00A-34FE-E4493B6D0FEA}"/>
+              </a:ext>
+            </a:extLst>
+          </p:cNvPr>
+          <p:cNvPicPr>
+            <a:picLocks noChangeAspect="1"/>
+          </p:cNvPicPr>
+          <p:nvPr/>
+        </p:nvPicPr>
+        <p:blipFill>
+          <a:blip r:embed="rId2"/>
+          <a:stretch>
+            <a:fillRect/>
+          </a:stretch>
+        </p:blipFill>
+        <p:spPr>
+          <a:xfrm>
+            <a:off x="296984" y="989681"/>
+            <a:ext cx="3892062" cy="2414064"/>
+          </a:xfrm>
+          <a:prstGeom prst="rect">
+            <a:avLst/>
+          </a:prstGeom>
+        </p:spPr>
+      </p:pic>
+      <p:pic>
+        <p:nvPicPr>
+          <p:cNvPr id="7" name="Picture 6">
+            <a:extLst>
+              <a:ext uri="{FF2B5EF4-FFF2-40B4-BE49-F238E27FC236}">
+                <a16:creationId xmlns:a16="http://schemas.microsoft.com/office/drawing/2014/main" id="{7D91E343-D304-5E5D-EE62-5CC299BE6B8A}"/>
+              </a:ext>
+            </a:extLst>
+          </p:cNvPr>
+          <p:cNvPicPr>
+            <a:picLocks noChangeAspect="1"/>
+          </p:cNvPicPr>
+          <p:nvPr/>
+        </p:nvPicPr>
+        <p:blipFill>
+          <a:blip r:embed="rId3"/>
+          <a:stretch>
+            <a:fillRect/>
+          </a:stretch>
+        </p:blipFill>
+        <p:spPr>
+          <a:xfrm>
+            <a:off x="4884615" y="989681"/>
+            <a:ext cx="3892062" cy="2414064"/>
+          </a:xfrm>
+          <a:prstGeom prst="rect">
+            <a:avLst/>
+          </a:prstGeom>
+        </p:spPr>
+      </p:pic>
+    </p:spTree>
+    <p:extLst>
+      <p:ext uri="{BB962C8B-B14F-4D97-AF65-F5344CB8AC3E}">
+        <p14:creationId xmlns:p14="http://schemas.microsoft.com/office/powerpoint/2010/main" val="3613735428"/>
+      </p:ext>
+    </p:extLst>
+  </p:cSld>
+  <p:clrMapOvr>
+    <a:masterClrMapping/>
+  </p:clrMapOvr>
+</p:sld>
+</file>
+
+<file path=ppt/slides/slide17.xml><?xml version="1.0" encoding="utf-8"?>
+<p:sld xmlns:a="http://schemas.openxmlformats.org/drawingml/2006/main" xmlns:r="http://schemas.openxmlformats.org/officeDocument/2006/relationships" xmlns:p="http://schemas.openxmlformats.org/presentationml/2006/main">
+  <p:cSld>
+    <p:spTree>
+      <p:nvGrpSpPr>
+        <p:cNvPr id="1" name=""/>
+        <p:cNvGrpSpPr/>
+        <p:nvPr/>
+      </p:nvGrpSpPr>
+      <p:grpSpPr>
+        <a:xfrm>
+          <a:off x="0" y="0"/>
+          <a:ext cx="0" cy="0"/>
+          <a:chOff x="0" y="0"/>
+          <a:chExt cx="0" cy="0"/>
+        </a:xfrm>
+      </p:grpSpPr>
+      <p:sp>
+        <p:nvSpPr>
+          <p:cNvPr id="2" name="Title 1">
+            <a:extLst>
+              <a:ext uri="{FF2B5EF4-FFF2-40B4-BE49-F238E27FC236}">
+                <a16:creationId xmlns:a16="http://schemas.microsoft.com/office/drawing/2014/main" id="{A9BA0CC1-FC12-8456-578D-EDEFEB9C2CC0}"/>
+              </a:ext>
+            </a:extLst>
+          </p:cNvPr>
+          <p:cNvSpPr>
+            <a:spLocks noGrp="1"/>
+          </p:cNvSpPr>
+          <p:nvPr>
+            <p:ph type="title"/>
+          </p:nvPr>
+        </p:nvSpPr>
+        <p:spPr/>
+        <p:txBody>
+          <a:bodyPr>
+            <a:normAutofit fontScale="90000"/>
+          </a:bodyPr>
+          <a:lstStyle/>
+          <a:p>
+            <a:r>
+              <a:rPr lang="en-US" dirty="0"/>
+              <a:t>Model Optimization &amp; Ensemble</a:t>
+            </a:r>
+          </a:p>
+        </p:txBody>
+      </p:sp>
+      <p:sp>
+        <p:nvSpPr>
+          <p:cNvPr id="3" name="Text Placeholder 2">
+            <a:extLst>
+              <a:ext uri="{FF2B5EF4-FFF2-40B4-BE49-F238E27FC236}">
+                <a16:creationId xmlns:a16="http://schemas.microsoft.com/office/drawing/2014/main" id="{3657CC8A-8CA9-50B1-F238-A52A0E9357D1}"/>
+              </a:ext>
+            </a:extLst>
+          </p:cNvPr>
+          <p:cNvSpPr>
+            <a:spLocks noGrp="1"/>
+          </p:cNvSpPr>
+          <p:nvPr>
+            <p:ph type="body" idx="1"/>
+          </p:nvPr>
+        </p:nvSpPr>
+        <p:spPr/>
+        <p:txBody>
+          <a:bodyPr/>
+          <a:lstStyle/>
+          <a:p>
+            <a:pPr marL="514350" indent="-285750">
+              <a:buFont typeface="Arial" panose="020B0604020202020204" pitchFamily="34" charset="0"/>
+              <a:buChar char="•"/>
+            </a:pPr>
+            <a:r>
+              <a:rPr lang="en-US" sz="1800" dirty="0"/>
+              <a:t>Hyperparameter Tuning:</a:t>
+            </a:r>
+          </a:p>
+          <a:p>
+            <a:pPr marL="1028700" lvl="1">
+              <a:buFont typeface="Courier New" panose="02070309020205020404" pitchFamily="49" charset="0"/>
+              <a:buChar char="o"/>
+            </a:pPr>
+            <a:r>
+              <a:rPr lang="en-US" sz="1600" dirty="0"/>
+              <a:t>Used </a:t>
+            </a:r>
+            <a:r>
+              <a:rPr lang="en-US" sz="1600" dirty="0" err="1"/>
+              <a:t>RandomizedSearchCV</a:t>
+            </a:r>
+            <a:r>
+              <a:rPr lang="en-US" sz="1600" dirty="0"/>
+              <a:t> for efficient tuning over a wide parameter space.</a:t>
+            </a:r>
+          </a:p>
+          <a:p>
+            <a:pPr marL="514350" indent="-285750">
+              <a:buFont typeface="Arial" panose="020B0604020202020204" pitchFamily="34" charset="0"/>
+              <a:buChar char="•"/>
+            </a:pPr>
+            <a:r>
+              <a:rPr lang="en-US" sz="1800" dirty="0"/>
+              <a:t>Stacking Ensemble:</a:t>
+            </a:r>
+          </a:p>
+          <a:p>
+            <a:pPr marL="971550" lvl="1" indent="-285750">
+              <a:buFont typeface="Courier New" panose="02070309020205020404" pitchFamily="49" charset="0"/>
+              <a:buChar char="o"/>
+            </a:pPr>
+            <a:r>
+              <a:rPr lang="en-US" sz="1600" dirty="0"/>
+              <a:t>Combined the strengths of multiple classifiers into one meta-model, improving overall performance and reducing individual model weaknesses.</a:t>
+            </a:r>
+          </a:p>
+        </p:txBody>
+      </p:sp>
+    </p:spTree>
+    <p:extLst>
+      <p:ext uri="{BB962C8B-B14F-4D97-AF65-F5344CB8AC3E}">
+        <p14:creationId xmlns:p14="http://schemas.microsoft.com/office/powerpoint/2010/main" val="4281073632"/>
+      </p:ext>
+    </p:extLst>
+  </p:cSld>
+  <p:clrMapOvr>
+    <a:masterClrMapping/>
+  </p:clrMapOvr>
+</p:sld>
+</file>
+
+<file path=ppt/slides/slide18.xml><?xml version="1.0" encoding="utf-8"?>
+<p:sld xmlns:a="http://schemas.openxmlformats.org/drawingml/2006/main" xmlns:r="http://schemas.openxmlformats.org/officeDocument/2006/relationships" xmlns:p="http://schemas.openxmlformats.org/presentationml/2006/main">
+  <p:cSld>
+    <p:spTree>
+      <p:nvGrpSpPr>
+        <p:cNvPr id="1" name=""/>
+        <p:cNvGrpSpPr/>
+        <p:nvPr/>
+      </p:nvGrpSpPr>
+      <p:grpSpPr>
+        <a:xfrm>
+          <a:off x="0" y="0"/>
+          <a:ext cx="0" cy="0"/>
+          <a:chOff x="0" y="0"/>
+          <a:chExt cx="0" cy="0"/>
+        </a:xfrm>
+      </p:grpSpPr>
+      <p:pic>
+        <p:nvPicPr>
+          <p:cNvPr id="5" name="Picture 4">
+            <a:extLst>
+              <a:ext uri="{FF2B5EF4-FFF2-40B4-BE49-F238E27FC236}">
+                <a16:creationId xmlns:a16="http://schemas.microsoft.com/office/drawing/2014/main" id="{FF7E7B88-5B3B-974F-DDFF-8FE801F9259D}"/>
+              </a:ext>
+            </a:extLst>
+          </p:cNvPr>
+          <p:cNvPicPr>
+            <a:picLocks noChangeAspect="1"/>
+          </p:cNvPicPr>
+          <p:nvPr/>
+        </p:nvPicPr>
+        <p:blipFill>
+          <a:blip r:embed="rId2"/>
+          <a:stretch>
+            <a:fillRect/>
+          </a:stretch>
+        </p:blipFill>
+        <p:spPr>
+          <a:xfrm>
+            <a:off x="2022260" y="592381"/>
+            <a:ext cx="6382454" cy="3958737"/>
+          </a:xfrm>
+          <a:prstGeom prst="rect">
+            <a:avLst/>
+          </a:prstGeom>
+        </p:spPr>
+      </p:pic>
+    </p:spTree>
+    <p:extLst>
+      <p:ext uri="{BB962C8B-B14F-4D97-AF65-F5344CB8AC3E}">
+        <p14:creationId xmlns:p14="http://schemas.microsoft.com/office/powerpoint/2010/main" val="245511600"/>
+      </p:ext>
+    </p:extLst>
+  </p:cSld>
+  <p:clrMapOvr>
+    <a:masterClrMapping/>
+  </p:clrMapOvr>
+</p:sld>
+</file>
+
+<file path=ppt/slides/slide19.xml><?xml version="1.0" encoding="utf-8"?>
+<p:sld xmlns:a="http://schemas.openxmlformats.org/drawingml/2006/main" xmlns:r="http://schemas.openxmlformats.org/officeDocument/2006/relationships" xmlns:p="http://schemas.openxmlformats.org/presentationml/2006/main">
+  <p:cSld>
+    <p:spTree>
+      <p:nvGrpSpPr>
+        <p:cNvPr id="1" name=""/>
+        <p:cNvGrpSpPr/>
+        <p:nvPr/>
+      </p:nvGrpSpPr>
+      <p:grpSpPr>
+        <a:xfrm>
+          <a:off x="0" y="0"/>
+          <a:ext cx="0" cy="0"/>
+          <a:chOff x="0" y="0"/>
+          <a:chExt cx="0" cy="0"/>
+        </a:xfrm>
+      </p:grpSpPr>
+      <p:pic>
+        <p:nvPicPr>
+          <p:cNvPr id="5" name="Picture 4">
+            <a:extLst>
+              <a:ext uri="{FF2B5EF4-FFF2-40B4-BE49-F238E27FC236}">
+                <a16:creationId xmlns:a16="http://schemas.microsoft.com/office/drawing/2014/main" id="{EC07C741-21A1-4E9F-C7C3-CE6C7307C585}"/>
+              </a:ext>
+            </a:extLst>
+          </p:cNvPr>
+          <p:cNvPicPr>
+            <a:picLocks noChangeAspect="1"/>
+          </p:cNvPicPr>
+          <p:nvPr/>
+        </p:nvPicPr>
+        <p:blipFill>
+          <a:blip r:embed="rId2"/>
+          <a:stretch>
+            <a:fillRect/>
+          </a:stretch>
+        </p:blipFill>
+        <p:spPr>
+          <a:xfrm>
+            <a:off x="539707" y="784714"/>
+            <a:ext cx="3633219" cy="2927594"/>
+          </a:xfrm>
+          <a:prstGeom prst="rect">
+            <a:avLst/>
+          </a:prstGeom>
+        </p:spPr>
+      </p:pic>
+      <p:pic>
+        <p:nvPicPr>
+          <p:cNvPr id="7" name="Picture 6">
+            <a:extLst>
+              <a:ext uri="{FF2B5EF4-FFF2-40B4-BE49-F238E27FC236}">
+                <a16:creationId xmlns:a16="http://schemas.microsoft.com/office/drawing/2014/main" id="{D7733E92-0257-B12F-F35F-F42B44256386}"/>
+              </a:ext>
+            </a:extLst>
+          </p:cNvPr>
+          <p:cNvPicPr>
+            <a:picLocks noChangeAspect="1"/>
+          </p:cNvPicPr>
+          <p:nvPr/>
+        </p:nvPicPr>
+        <p:blipFill>
+          <a:blip r:embed="rId3"/>
+          <a:stretch>
+            <a:fillRect/>
+          </a:stretch>
+        </p:blipFill>
+        <p:spPr>
+          <a:xfrm>
+            <a:off x="4357687" y="1382177"/>
+            <a:ext cx="4449806" cy="1732667"/>
+          </a:xfrm>
+          <a:prstGeom prst="rect">
+            <a:avLst/>
+          </a:prstGeom>
+        </p:spPr>
+      </p:pic>
+    </p:spTree>
+    <p:extLst>
+      <p:ext uri="{BB962C8B-B14F-4D97-AF65-F5344CB8AC3E}">
+        <p14:creationId xmlns:p14="http://schemas.microsoft.com/office/powerpoint/2010/main" val="59205614"/>
+      </p:ext>
+    </p:extLst>
+  </p:cSld>
+  <p:clrMapOvr>
+    <a:masterClrMapping/>
+  </p:clrMapOvr>
+</p:sld>
+</file>
+
 <file path=ppt/slides/slide2.xml><?xml version="1.0" encoding="utf-8"?>
 <p:sld xmlns:a="http://schemas.openxmlformats.org/drawingml/2006/main" xmlns:r="http://schemas.openxmlformats.org/officeDocument/2006/relationships" xmlns:p="http://schemas.openxmlformats.org/presentationml/2006/main">
   <p:cSld>
@@ -31483,7 +32455,7 @@
         </p:nvSpPr>
         <p:spPr>
           <a:xfrm>
-            <a:off x="1857798" y="915566"/>
+            <a:off x="1865614" y="381340"/>
             <a:ext cx="6829002" cy="857250"/>
           </a:xfrm>
           <a:prstGeom prst="rect">
@@ -31516,7 +32488,7 @@
             </a:pPr>
             <a:r>
               <a:rPr lang="en" dirty="0"/>
-              <a:t>Defining the problem</a:t>
+              <a:t>Motivation</a:t>
             </a:r>
             <a:endParaRPr dirty="0"/>
           </a:p>
@@ -31534,7 +32506,7 @@
         </p:nvSpPr>
         <p:spPr>
           <a:xfrm>
-            <a:off x="1857798" y="2057202"/>
+            <a:off x="1803091" y="1347614"/>
             <a:ext cx="6818658" cy="2448272"/>
           </a:xfrm>
           <a:prstGeom prst="rect">
@@ -31551,7 +32523,7 @@
           </a:bodyPr>
           <a:lstStyle/>
           <a:p>
-            <a:pPr marL="0" marR="0" lvl="0" indent="0" algn="l" rtl="0">
+            <a:pPr marL="0" marR="0" lvl="0" indent="0" algn="just" rtl="0">
               <a:lnSpc>
                 <a:spcPct val="100000"/>
               </a:lnSpc>
@@ -31569,54 +32541,10 @@
               <a:buNone/>
             </a:pPr>
             <a:r>
-              <a:rPr lang="en"/>
-              <a:t>Ut enim ad minim veniam, quis nostrud exercitation ullamco laboris nisi ut aliquip ex ea commodo consequat.</a:t>
+              <a:rPr lang="en-US" dirty="0"/>
+              <a:t>Vehicle insurance fraud poses a significant challenge to the insurance industry, leading to substantial financial losses and increased premiums for honest policyholders. Fraudulent activities, ranging from staged accidents to exaggerated claims, not only strain company resources but also erode customer trust. Traditional detection methods often fall short in identifying sophisticated fraud schemes, highlighting the need for advanced, data-driven solutions.</a:t>
             </a:r>
-            <a:endParaRPr/>
-          </a:p>
-          <a:p>
-            <a:pPr marL="0" marR="0" lvl="0" indent="0" algn="l" rtl="0">
-              <a:lnSpc>
-                <a:spcPct val="100000"/>
-              </a:lnSpc>
-              <a:spcBef>
-                <a:spcPts val="440"/>
-              </a:spcBef>
-              <a:spcAft>
-                <a:spcPts val="0"/>
-              </a:spcAft>
-              <a:buClr>
-                <a:schemeClr val="dk1"/>
-              </a:buClr>
-              <a:buSzPts val="2200"/>
-              <a:buFont typeface="Arial"/>
-              <a:buNone/>
-            </a:pPr>
-            <a:endParaRPr/>
-          </a:p>
-          <a:p>
-            <a:pPr marL="0" marR="0" lvl="0" indent="0" algn="l" rtl="0">
-              <a:lnSpc>
-                <a:spcPct val="100000"/>
-              </a:lnSpc>
-              <a:spcBef>
-                <a:spcPts val="440"/>
-              </a:spcBef>
-              <a:spcAft>
-                <a:spcPts val="0"/>
-              </a:spcAft>
-              <a:buClr>
-                <a:schemeClr val="dk1"/>
-              </a:buClr>
-              <a:buSzPts val="2200"/>
-              <a:buFont typeface="Arial"/>
-              <a:buNone/>
-            </a:pPr>
-            <a:r>
-              <a:rPr lang="en"/>
-              <a:t>Lorem ipsum dolor sit amet, consectetur adipisicing elit, sed do eiusmod tempor incididunt ut labore et dolore magna aliqua. </a:t>
-            </a:r>
-            <a:endParaRPr/>
+            <a:endParaRPr dirty="0"/>
           </a:p>
         </p:txBody>
       </p:sp>
@@ -31628,7 +32556,872 @@
 </p:sld>
 </file>
 
+<file path=ppt/slides/slide20.xml><?xml version="1.0" encoding="utf-8"?>
+<p:sld xmlns:a="http://schemas.openxmlformats.org/drawingml/2006/main" xmlns:r="http://schemas.openxmlformats.org/officeDocument/2006/relationships" xmlns:p="http://schemas.openxmlformats.org/presentationml/2006/main">
+  <p:cSld>
+    <p:spTree>
+      <p:nvGrpSpPr>
+        <p:cNvPr id="1" name=""/>
+        <p:cNvGrpSpPr/>
+        <p:nvPr/>
+      </p:nvGrpSpPr>
+      <p:grpSpPr>
+        <a:xfrm>
+          <a:off x="0" y="0"/>
+          <a:ext cx="0" cy="0"/>
+          <a:chOff x="0" y="0"/>
+          <a:chExt cx="0" cy="0"/>
+        </a:xfrm>
+      </p:grpSpPr>
+      <p:sp>
+        <p:nvSpPr>
+          <p:cNvPr id="2" name="Title 1">
+            <a:extLst>
+              <a:ext uri="{FF2B5EF4-FFF2-40B4-BE49-F238E27FC236}">
+                <a16:creationId xmlns:a16="http://schemas.microsoft.com/office/drawing/2014/main" id="{9F674EFA-C855-807B-D384-DB91EB454D68}"/>
+              </a:ext>
+            </a:extLst>
+          </p:cNvPr>
+          <p:cNvSpPr>
+            <a:spLocks noGrp="1"/>
+          </p:cNvSpPr>
+          <p:nvPr>
+            <p:ph type="title"/>
+          </p:nvPr>
+        </p:nvSpPr>
+        <p:spPr/>
+        <p:txBody>
+          <a:bodyPr/>
+          <a:lstStyle/>
+          <a:p>
+            <a:r>
+              <a:rPr lang="en-US" dirty="0"/>
+              <a:t>Results &amp; Evaluation</a:t>
+            </a:r>
+          </a:p>
+        </p:txBody>
+      </p:sp>
+      <p:sp>
+        <p:nvSpPr>
+          <p:cNvPr id="3" name="Text Placeholder 2">
+            <a:extLst>
+              <a:ext uri="{FF2B5EF4-FFF2-40B4-BE49-F238E27FC236}">
+                <a16:creationId xmlns:a16="http://schemas.microsoft.com/office/drawing/2014/main" id="{47844180-774D-0CAE-0D00-8BF19C3D8FCF}"/>
+              </a:ext>
+            </a:extLst>
+          </p:cNvPr>
+          <p:cNvSpPr>
+            <a:spLocks noGrp="1"/>
+          </p:cNvSpPr>
+          <p:nvPr>
+            <p:ph type="body" idx="1"/>
+          </p:nvPr>
+        </p:nvSpPr>
+        <p:spPr>
+          <a:xfrm>
+            <a:off x="4078288" y="2571750"/>
+            <a:ext cx="4608512" cy="505509"/>
+          </a:xfrm>
+        </p:spPr>
+        <p:txBody>
+          <a:bodyPr/>
+          <a:lstStyle/>
+          <a:p>
+            <a:pPr marL="514350" indent="-285750">
+              <a:buFont typeface="Arial" panose="020B0604020202020204" pitchFamily="34" charset="0"/>
+              <a:buChar char="•"/>
+            </a:pPr>
+            <a:r>
+              <a:rPr lang="en-US" sz="1800" dirty="0"/>
+              <a:t>Metrics Used:</a:t>
+            </a:r>
+          </a:p>
+          <a:p>
+            <a:pPr marL="971550" lvl="1" indent="-285750">
+              <a:buFont typeface="Courier New" panose="02070309020205020404" pitchFamily="49" charset="0"/>
+              <a:buChar char="o"/>
+            </a:pPr>
+            <a:r>
+              <a:rPr lang="en-US" sz="1600" dirty="0">
+                <a:solidFill>
+                  <a:srgbClr val="49CFAE"/>
+                </a:solidFill>
+              </a:rPr>
+              <a:t>Accuracy, Recall, F1-Score — with a focus on Recall to reduce false negatives (missed frauds).</a:t>
+            </a:r>
+          </a:p>
+          <a:p>
+            <a:pPr marL="514350" indent="-285750">
+              <a:buFont typeface="Arial" panose="020B0604020202020204" pitchFamily="34" charset="0"/>
+              <a:buChar char="•"/>
+            </a:pPr>
+            <a:r>
+              <a:rPr lang="en-US" sz="1800" dirty="0"/>
+              <a:t>Visuals:</a:t>
+            </a:r>
+          </a:p>
+          <a:p>
+            <a:pPr marL="971550" lvl="1" indent="-285750">
+              <a:buFont typeface="Courier New" panose="02070309020205020404" pitchFamily="49" charset="0"/>
+              <a:buChar char="o"/>
+            </a:pPr>
+            <a:r>
+              <a:rPr lang="en-US" sz="1600" dirty="0">
+                <a:solidFill>
+                  <a:srgbClr val="49CFAE"/>
+                </a:solidFill>
+              </a:rPr>
+              <a:t>Confusion Matrix and ROC Curves to visualize performance and trade-offs.</a:t>
+            </a:r>
+            <a:endParaRPr lang="en-US" sz="1800" dirty="0">
+              <a:solidFill>
+                <a:srgbClr val="49CFAE"/>
+              </a:solidFill>
+            </a:endParaRPr>
+          </a:p>
+          <a:p>
+            <a:pPr marL="514350" indent="-285750">
+              <a:buFont typeface="Arial" panose="020B0604020202020204" pitchFamily="34" charset="0"/>
+              <a:buChar char="•"/>
+            </a:pPr>
+            <a:r>
+              <a:rPr lang="en-US" sz="1800" dirty="0"/>
+              <a:t>Best Model:</a:t>
+            </a:r>
+          </a:p>
+          <a:p>
+            <a:pPr marL="971550" lvl="1" indent="-285750">
+              <a:buFont typeface="Courier New" panose="02070309020205020404" pitchFamily="49" charset="0"/>
+              <a:buChar char="o"/>
+            </a:pPr>
+            <a:r>
+              <a:rPr lang="en-US" sz="1800" dirty="0">
+                <a:solidFill>
+                  <a:srgbClr val="49CFAE"/>
+                </a:solidFill>
+              </a:rPr>
+              <a:t>Depends on the resources and the goal of the insurance companies </a:t>
+            </a:r>
+          </a:p>
+        </p:txBody>
+      </p:sp>
+    </p:spTree>
+    <p:extLst>
+      <p:ext uri="{BB962C8B-B14F-4D97-AF65-F5344CB8AC3E}">
+        <p14:creationId xmlns:p14="http://schemas.microsoft.com/office/powerpoint/2010/main" val="1608598138"/>
+      </p:ext>
+    </p:extLst>
+  </p:cSld>
+  <p:clrMapOvr>
+    <a:masterClrMapping/>
+  </p:clrMapOvr>
+</p:sld>
+</file>
+
+<file path=ppt/slides/slide21.xml><?xml version="1.0" encoding="utf-8"?>
+<p:sld xmlns:a="http://schemas.openxmlformats.org/drawingml/2006/main" xmlns:r="http://schemas.openxmlformats.org/officeDocument/2006/relationships" xmlns:p="http://schemas.openxmlformats.org/presentationml/2006/main">
+  <p:cSld>
+    <p:spTree>
+      <p:nvGrpSpPr>
+        <p:cNvPr id="1" name=""/>
+        <p:cNvGrpSpPr/>
+        <p:nvPr/>
+      </p:nvGrpSpPr>
+      <p:grpSpPr>
+        <a:xfrm>
+          <a:off x="0" y="0"/>
+          <a:ext cx="0" cy="0"/>
+          <a:chOff x="0" y="0"/>
+          <a:chExt cx="0" cy="0"/>
+        </a:xfrm>
+      </p:grpSpPr>
+      <p:pic>
+        <p:nvPicPr>
+          <p:cNvPr id="5" name="Picture 4">
+            <a:extLst>
+              <a:ext uri="{FF2B5EF4-FFF2-40B4-BE49-F238E27FC236}">
+                <a16:creationId xmlns:a16="http://schemas.microsoft.com/office/drawing/2014/main" id="{40B1D94F-0889-3F03-1D19-2753E24DBC6A}"/>
+              </a:ext>
+            </a:extLst>
+          </p:cNvPr>
+          <p:cNvPicPr>
+            <a:picLocks noChangeAspect="1"/>
+          </p:cNvPicPr>
+          <p:nvPr/>
+        </p:nvPicPr>
+        <p:blipFill>
+          <a:blip r:embed="rId2"/>
+          <a:stretch>
+            <a:fillRect/>
+          </a:stretch>
+        </p:blipFill>
+        <p:spPr>
+          <a:xfrm>
+            <a:off x="4884616" y="182432"/>
+            <a:ext cx="3548184" cy="2200773"/>
+          </a:xfrm>
+          <a:prstGeom prst="rect">
+            <a:avLst/>
+          </a:prstGeom>
+        </p:spPr>
+      </p:pic>
+      <p:pic>
+        <p:nvPicPr>
+          <p:cNvPr id="7" name="Picture 6">
+            <a:extLst>
+              <a:ext uri="{FF2B5EF4-FFF2-40B4-BE49-F238E27FC236}">
+                <a16:creationId xmlns:a16="http://schemas.microsoft.com/office/drawing/2014/main" id="{BE6829D0-23E4-F71F-5CDA-A6E982B59CBF}"/>
+              </a:ext>
+            </a:extLst>
+          </p:cNvPr>
+          <p:cNvPicPr>
+            <a:picLocks noChangeAspect="1"/>
+          </p:cNvPicPr>
+          <p:nvPr/>
+        </p:nvPicPr>
+        <p:blipFill>
+          <a:blip r:embed="rId3"/>
+          <a:stretch>
+            <a:fillRect/>
+          </a:stretch>
+        </p:blipFill>
+        <p:spPr>
+          <a:xfrm>
+            <a:off x="606425" y="84501"/>
+            <a:ext cx="2974288" cy="2396637"/>
+          </a:xfrm>
+          <a:prstGeom prst="rect">
+            <a:avLst/>
+          </a:prstGeom>
+        </p:spPr>
+      </p:pic>
+      <p:pic>
+        <p:nvPicPr>
+          <p:cNvPr id="9" name="Picture 8">
+            <a:extLst>
+              <a:ext uri="{FF2B5EF4-FFF2-40B4-BE49-F238E27FC236}">
+                <a16:creationId xmlns:a16="http://schemas.microsoft.com/office/drawing/2014/main" id="{7057614A-6453-0C08-D70E-2AC60830C589}"/>
+              </a:ext>
+            </a:extLst>
+          </p:cNvPr>
+          <p:cNvPicPr>
+            <a:picLocks noChangeAspect="1"/>
+          </p:cNvPicPr>
+          <p:nvPr/>
+        </p:nvPicPr>
+        <p:blipFill>
+          <a:blip r:embed="rId4"/>
+          <a:stretch>
+            <a:fillRect/>
+          </a:stretch>
+        </p:blipFill>
+        <p:spPr>
+          <a:xfrm>
+            <a:off x="4884616" y="2731231"/>
+            <a:ext cx="3610708" cy="2239553"/>
+          </a:xfrm>
+          <a:prstGeom prst="rect">
+            <a:avLst/>
+          </a:prstGeom>
+        </p:spPr>
+      </p:pic>
+      <p:pic>
+        <p:nvPicPr>
+          <p:cNvPr id="11" name="Picture 10">
+            <a:extLst>
+              <a:ext uri="{FF2B5EF4-FFF2-40B4-BE49-F238E27FC236}">
+                <a16:creationId xmlns:a16="http://schemas.microsoft.com/office/drawing/2014/main" id="{6185F204-7CA6-8C0C-5039-3E5B30E4EAFB}"/>
+              </a:ext>
+            </a:extLst>
+          </p:cNvPr>
+          <p:cNvPicPr>
+            <a:picLocks noChangeAspect="1"/>
+          </p:cNvPicPr>
+          <p:nvPr/>
+        </p:nvPicPr>
+        <p:blipFill>
+          <a:blip r:embed="rId5"/>
+          <a:stretch>
+            <a:fillRect/>
+          </a:stretch>
+        </p:blipFill>
+        <p:spPr>
+          <a:xfrm>
+            <a:off x="606425" y="2823068"/>
+            <a:ext cx="3228971" cy="2055877"/>
+          </a:xfrm>
+          <a:prstGeom prst="rect">
+            <a:avLst/>
+          </a:prstGeom>
+        </p:spPr>
+      </p:pic>
+    </p:spTree>
+    <p:extLst>
+      <p:ext uri="{BB962C8B-B14F-4D97-AF65-F5344CB8AC3E}">
+        <p14:creationId xmlns:p14="http://schemas.microsoft.com/office/powerpoint/2010/main" val="639921582"/>
+      </p:ext>
+    </p:extLst>
+  </p:cSld>
+  <p:clrMapOvr>
+    <a:masterClrMapping/>
+  </p:clrMapOvr>
+</p:sld>
+</file>
+
+<file path=ppt/slides/slide22.xml><?xml version="1.0" encoding="utf-8"?>
+<p:sld xmlns:a="http://schemas.openxmlformats.org/drawingml/2006/main" xmlns:r="http://schemas.openxmlformats.org/officeDocument/2006/relationships" xmlns:p="http://schemas.openxmlformats.org/presentationml/2006/main">
+  <p:cSld>
+    <p:spTree>
+      <p:nvGrpSpPr>
+        <p:cNvPr id="1" name=""/>
+        <p:cNvGrpSpPr/>
+        <p:nvPr/>
+      </p:nvGrpSpPr>
+      <p:grpSpPr>
+        <a:xfrm>
+          <a:off x="0" y="0"/>
+          <a:ext cx="0" cy="0"/>
+          <a:chOff x="0" y="0"/>
+          <a:chExt cx="0" cy="0"/>
+        </a:xfrm>
+      </p:grpSpPr>
+      <p:pic>
+        <p:nvPicPr>
+          <p:cNvPr id="5" name="Picture 4">
+            <a:extLst>
+              <a:ext uri="{FF2B5EF4-FFF2-40B4-BE49-F238E27FC236}">
+                <a16:creationId xmlns:a16="http://schemas.microsoft.com/office/drawing/2014/main" id="{0A79A749-0451-D71F-4B9B-0D3901936A23}"/>
+              </a:ext>
+            </a:extLst>
+          </p:cNvPr>
+          <p:cNvPicPr>
+            <a:picLocks noChangeAspect="1"/>
+          </p:cNvPicPr>
+          <p:nvPr/>
+        </p:nvPicPr>
+        <p:blipFill>
+          <a:blip r:embed="rId2"/>
+          <a:stretch>
+            <a:fillRect/>
+          </a:stretch>
+        </p:blipFill>
+        <p:spPr>
+          <a:xfrm>
+            <a:off x="2" y="648677"/>
+            <a:ext cx="4353301" cy="3251200"/>
+          </a:xfrm>
+          <a:prstGeom prst="rect">
+            <a:avLst/>
+          </a:prstGeom>
+        </p:spPr>
+      </p:pic>
+      <p:pic>
+        <p:nvPicPr>
+          <p:cNvPr id="7" name="Picture 6">
+            <a:extLst>
+              <a:ext uri="{FF2B5EF4-FFF2-40B4-BE49-F238E27FC236}">
+                <a16:creationId xmlns:a16="http://schemas.microsoft.com/office/drawing/2014/main" id="{171131AB-1D13-F92E-6E4C-595EA9164AAC}"/>
+              </a:ext>
+            </a:extLst>
+          </p:cNvPr>
+          <p:cNvPicPr>
+            <a:picLocks noChangeAspect="1"/>
+          </p:cNvPicPr>
+          <p:nvPr/>
+        </p:nvPicPr>
+        <p:blipFill>
+          <a:blip r:embed="rId3"/>
+          <a:stretch>
+            <a:fillRect/>
+          </a:stretch>
+        </p:blipFill>
+        <p:spPr>
+          <a:xfrm>
+            <a:off x="4572000" y="648677"/>
+            <a:ext cx="4353301" cy="3251200"/>
+          </a:xfrm>
+          <a:prstGeom prst="rect">
+            <a:avLst/>
+          </a:prstGeom>
+        </p:spPr>
+      </p:pic>
+    </p:spTree>
+    <p:extLst>
+      <p:ext uri="{BB962C8B-B14F-4D97-AF65-F5344CB8AC3E}">
+        <p14:creationId xmlns:p14="http://schemas.microsoft.com/office/powerpoint/2010/main" val="4152446882"/>
+      </p:ext>
+    </p:extLst>
+  </p:cSld>
+  <p:clrMapOvr>
+    <a:masterClrMapping/>
+  </p:clrMapOvr>
+</p:sld>
+</file>
+
+<file path=ppt/slides/slide23.xml><?xml version="1.0" encoding="utf-8"?>
+<p:sld xmlns:a="http://schemas.openxmlformats.org/drawingml/2006/main" xmlns:r="http://schemas.openxmlformats.org/officeDocument/2006/relationships" xmlns:p="http://schemas.openxmlformats.org/presentationml/2006/main">
+  <p:cSld>
+    <p:spTree>
+      <p:nvGrpSpPr>
+        <p:cNvPr id="1" name=""/>
+        <p:cNvGrpSpPr/>
+        <p:nvPr/>
+      </p:nvGrpSpPr>
+      <p:grpSpPr>
+        <a:xfrm>
+          <a:off x="0" y="0"/>
+          <a:ext cx="0" cy="0"/>
+          <a:chOff x="0" y="0"/>
+          <a:chExt cx="0" cy="0"/>
+        </a:xfrm>
+      </p:grpSpPr>
+      <p:pic>
+        <p:nvPicPr>
+          <p:cNvPr id="3" name="Picture 2">
+            <a:extLst>
+              <a:ext uri="{FF2B5EF4-FFF2-40B4-BE49-F238E27FC236}">
+                <a16:creationId xmlns:a16="http://schemas.microsoft.com/office/drawing/2014/main" id="{C3DA3084-59E5-5B13-2EBE-4569F044B142}"/>
+              </a:ext>
+            </a:extLst>
+          </p:cNvPr>
+          <p:cNvPicPr>
+            <a:picLocks noChangeAspect="1"/>
+          </p:cNvPicPr>
+          <p:nvPr/>
+        </p:nvPicPr>
+        <p:blipFill>
+          <a:blip r:embed="rId2"/>
+          <a:stretch>
+            <a:fillRect/>
+          </a:stretch>
+        </p:blipFill>
+        <p:spPr>
+          <a:xfrm>
+            <a:off x="1" y="648678"/>
+            <a:ext cx="4353302" cy="3251200"/>
+          </a:xfrm>
+          <a:prstGeom prst="rect">
+            <a:avLst/>
+          </a:prstGeom>
+        </p:spPr>
+      </p:pic>
+      <p:pic>
+        <p:nvPicPr>
+          <p:cNvPr id="6" name="Picture 5">
+            <a:extLst>
+              <a:ext uri="{FF2B5EF4-FFF2-40B4-BE49-F238E27FC236}">
+                <a16:creationId xmlns:a16="http://schemas.microsoft.com/office/drawing/2014/main" id="{1AE05961-B18D-73D5-B41B-F810D2376301}"/>
+              </a:ext>
+            </a:extLst>
+          </p:cNvPr>
+          <p:cNvPicPr>
+            <a:picLocks noChangeAspect="1"/>
+          </p:cNvPicPr>
+          <p:nvPr/>
+        </p:nvPicPr>
+        <p:blipFill>
+          <a:blip r:embed="rId3"/>
+          <a:stretch>
+            <a:fillRect/>
+          </a:stretch>
+        </p:blipFill>
+        <p:spPr>
+          <a:xfrm>
+            <a:off x="4572000" y="648678"/>
+            <a:ext cx="4353302" cy="3251200"/>
+          </a:xfrm>
+          <a:prstGeom prst="rect">
+            <a:avLst/>
+          </a:prstGeom>
+        </p:spPr>
+      </p:pic>
+    </p:spTree>
+    <p:extLst>
+      <p:ext uri="{BB962C8B-B14F-4D97-AF65-F5344CB8AC3E}">
+        <p14:creationId xmlns:p14="http://schemas.microsoft.com/office/powerpoint/2010/main" val="3557359789"/>
+      </p:ext>
+    </p:extLst>
+  </p:cSld>
+  <p:clrMapOvr>
+    <a:masterClrMapping/>
+  </p:clrMapOvr>
+</p:sld>
+</file>
+
+<file path=ppt/slides/slide24.xml><?xml version="1.0" encoding="utf-8"?>
+<p:sld xmlns:a="http://schemas.openxmlformats.org/drawingml/2006/main" xmlns:r="http://schemas.openxmlformats.org/officeDocument/2006/relationships" xmlns:p="http://schemas.openxmlformats.org/presentationml/2006/main">
+  <p:cSld>
+    <p:spTree>
+      <p:nvGrpSpPr>
+        <p:cNvPr id="1" name=""/>
+        <p:cNvGrpSpPr/>
+        <p:nvPr/>
+      </p:nvGrpSpPr>
+      <p:grpSpPr>
+        <a:xfrm>
+          <a:off x="0" y="0"/>
+          <a:ext cx="0" cy="0"/>
+          <a:chOff x="0" y="0"/>
+          <a:chExt cx="0" cy="0"/>
+        </a:xfrm>
+      </p:grpSpPr>
+      <p:sp>
+        <p:nvSpPr>
+          <p:cNvPr id="2" name="Title 1">
+            <a:extLst>
+              <a:ext uri="{FF2B5EF4-FFF2-40B4-BE49-F238E27FC236}">
+                <a16:creationId xmlns:a16="http://schemas.microsoft.com/office/drawing/2014/main" id="{C9393464-B20C-78F9-1F5D-ED099F1AFFF7}"/>
+              </a:ext>
+            </a:extLst>
+          </p:cNvPr>
+          <p:cNvSpPr>
+            <a:spLocks noGrp="1"/>
+          </p:cNvSpPr>
+          <p:nvPr>
+            <p:ph type="title"/>
+          </p:nvPr>
+        </p:nvSpPr>
+        <p:spPr/>
+        <p:txBody>
+          <a:bodyPr/>
+          <a:lstStyle/>
+          <a:p>
+            <a:r>
+              <a:rPr lang="en-US" dirty="0"/>
+              <a:t>Conclusion &amp; Future Work</a:t>
+            </a:r>
+          </a:p>
+        </p:txBody>
+      </p:sp>
+      <p:sp>
+        <p:nvSpPr>
+          <p:cNvPr id="3" name="Text Placeholder 2">
+            <a:extLst>
+              <a:ext uri="{FF2B5EF4-FFF2-40B4-BE49-F238E27FC236}">
+                <a16:creationId xmlns:a16="http://schemas.microsoft.com/office/drawing/2014/main" id="{5D8B20E2-6769-BC6F-3BA4-B3A002F93C8B}"/>
+              </a:ext>
+            </a:extLst>
+          </p:cNvPr>
+          <p:cNvSpPr>
+            <a:spLocks noGrp="1"/>
+          </p:cNvSpPr>
+          <p:nvPr>
+            <p:ph type="body" idx="1"/>
+          </p:nvPr>
+        </p:nvSpPr>
+        <p:spPr/>
+        <p:txBody>
+          <a:bodyPr/>
+          <a:lstStyle/>
+          <a:p>
+            <a:pPr marL="571500" indent="-342900">
+              <a:buFont typeface="Arial" panose="020B0604020202020204" pitchFamily="34" charset="0"/>
+              <a:buChar char="•"/>
+            </a:pPr>
+            <a:r>
+              <a:rPr lang="en-US" dirty="0"/>
+              <a:t>Main Takeaway:</a:t>
+            </a:r>
+          </a:p>
+          <a:p>
+            <a:pPr marL="1028700" lvl="1">
+              <a:buFont typeface="Arial" panose="020B0604020202020204" pitchFamily="34" charset="0"/>
+              <a:buChar char="•"/>
+            </a:pPr>
+            <a:r>
+              <a:rPr lang="en-US" sz="1600" dirty="0"/>
+              <a:t>Machine learning models, especially ensemble methods, can effectively identify vehicle insurance fraud despite data imbalance.</a:t>
+            </a:r>
+          </a:p>
+          <a:p>
+            <a:pPr marL="571500" indent="-342900">
+              <a:buFont typeface="Arial" panose="020B0604020202020204" pitchFamily="34" charset="0"/>
+              <a:buChar char="•"/>
+            </a:pPr>
+            <a:r>
+              <a:rPr lang="en-US" dirty="0"/>
+              <a:t>Future Improvements:</a:t>
+            </a:r>
+          </a:p>
+          <a:p>
+            <a:pPr marL="1028700" lvl="1">
+              <a:buFont typeface="Arial" panose="020B0604020202020204" pitchFamily="34" charset="0"/>
+              <a:buChar char="•"/>
+            </a:pPr>
+            <a:r>
+              <a:rPr lang="en-US" sz="1600" dirty="0"/>
+              <a:t>Incorporate more domain-specific features (e.g., repair costs), gather data from different years and geographical </a:t>
+            </a:r>
+            <a:r>
+              <a:rPr lang="en-US" sz="1600" dirty="0" err="1"/>
+              <a:t>locations,and</a:t>
+            </a:r>
+            <a:r>
+              <a:rPr lang="en-US" sz="1600" dirty="0"/>
+              <a:t> deploy the model in a real-time detection pipeline.</a:t>
+            </a:r>
+          </a:p>
+        </p:txBody>
+      </p:sp>
+    </p:spTree>
+    <p:extLst>
+      <p:ext uri="{BB962C8B-B14F-4D97-AF65-F5344CB8AC3E}">
+        <p14:creationId xmlns:p14="http://schemas.microsoft.com/office/powerpoint/2010/main" val="2211358666"/>
+      </p:ext>
+    </p:extLst>
+  </p:cSld>
+  <p:clrMapOvr>
+    <a:masterClrMapping/>
+  </p:clrMapOvr>
+</p:sld>
+</file>
+
+<file path=ppt/slides/slide25.xml><?xml version="1.0" encoding="utf-8"?>
+<p:sld xmlns:a="http://schemas.openxmlformats.org/drawingml/2006/main" xmlns:r="http://schemas.openxmlformats.org/officeDocument/2006/relationships" xmlns:p="http://schemas.openxmlformats.org/presentationml/2006/main">
+  <p:cSld>
+    <p:spTree>
+      <p:nvGrpSpPr>
+        <p:cNvPr id="1" name=""/>
+        <p:cNvGrpSpPr/>
+        <p:nvPr/>
+      </p:nvGrpSpPr>
+      <p:grpSpPr>
+        <a:xfrm>
+          <a:off x="0" y="0"/>
+          <a:ext cx="0" cy="0"/>
+          <a:chOff x="0" y="0"/>
+          <a:chExt cx="0" cy="0"/>
+        </a:xfrm>
+      </p:grpSpPr>
+      <p:sp>
+        <p:nvSpPr>
+          <p:cNvPr id="2" name="Title 1">
+            <a:extLst>
+              <a:ext uri="{FF2B5EF4-FFF2-40B4-BE49-F238E27FC236}">
+                <a16:creationId xmlns:a16="http://schemas.microsoft.com/office/drawing/2014/main" id="{F2DE4171-92C6-6C26-D3C5-781BBE1427B8}"/>
+              </a:ext>
+            </a:extLst>
+          </p:cNvPr>
+          <p:cNvSpPr>
+            <a:spLocks noGrp="1"/>
+          </p:cNvSpPr>
+          <p:nvPr>
+            <p:ph type="title"/>
+          </p:nvPr>
+        </p:nvSpPr>
+        <p:spPr>
+          <a:xfrm>
+            <a:off x="2592443" y="1609969"/>
+            <a:ext cx="7145525" cy="1413308"/>
+          </a:xfrm>
+        </p:spPr>
+        <p:txBody>
+          <a:bodyPr>
+            <a:normAutofit/>
+          </a:bodyPr>
+          <a:lstStyle/>
+          <a:p>
+            <a:r>
+              <a:rPr lang="en-US" sz="7200" dirty="0"/>
+              <a:t>QUESTIONS?</a:t>
+            </a:r>
+          </a:p>
+        </p:txBody>
+      </p:sp>
+    </p:spTree>
+    <p:extLst>
+      <p:ext uri="{BB962C8B-B14F-4D97-AF65-F5344CB8AC3E}">
+        <p14:creationId xmlns:p14="http://schemas.microsoft.com/office/powerpoint/2010/main" val="3297155806"/>
+      </p:ext>
+    </p:extLst>
+  </p:cSld>
+  <p:clrMapOvr>
+    <a:masterClrMapping/>
+  </p:clrMapOvr>
+</p:sld>
+</file>
+
+<file path=ppt/slides/slide26.xml><?xml version="1.0" encoding="utf-8"?>
+<p:sld xmlns:a="http://schemas.openxmlformats.org/drawingml/2006/main" xmlns:r="http://schemas.openxmlformats.org/officeDocument/2006/relationships" xmlns:p="http://schemas.openxmlformats.org/presentationml/2006/main">
+  <p:cSld>
+    <p:spTree>
+      <p:nvGrpSpPr>
+        <p:cNvPr id="1" name=""/>
+        <p:cNvGrpSpPr/>
+        <p:nvPr/>
+      </p:nvGrpSpPr>
+      <p:grpSpPr>
+        <a:xfrm>
+          <a:off x="0" y="0"/>
+          <a:ext cx="0" cy="0"/>
+          <a:chOff x="0" y="0"/>
+          <a:chExt cx="0" cy="0"/>
+        </a:xfrm>
+      </p:grpSpPr>
+      <p:sp>
+        <p:nvSpPr>
+          <p:cNvPr id="2" name="Title 1">
+            <a:extLst>
+              <a:ext uri="{FF2B5EF4-FFF2-40B4-BE49-F238E27FC236}">
+                <a16:creationId xmlns:a16="http://schemas.microsoft.com/office/drawing/2014/main" id="{CFC86994-5B86-608D-40C3-4D430C42DCFC}"/>
+              </a:ext>
+            </a:extLst>
+          </p:cNvPr>
+          <p:cNvSpPr>
+            <a:spLocks noGrp="1"/>
+          </p:cNvSpPr>
+          <p:nvPr>
+            <p:ph type="title"/>
+          </p:nvPr>
+        </p:nvSpPr>
+        <p:spPr>
+          <a:xfrm>
+            <a:off x="566615" y="2894471"/>
+            <a:ext cx="8229600" cy="857250"/>
+          </a:xfrm>
+        </p:spPr>
+        <p:txBody>
+          <a:bodyPr/>
+          <a:lstStyle/>
+          <a:p>
+            <a:r>
+              <a:rPr lang="en-US" dirty="0"/>
+              <a:t>THANK YOU FOR YOUR ATTENTION </a:t>
+            </a:r>
+          </a:p>
+        </p:txBody>
+      </p:sp>
+      <p:pic>
+        <p:nvPicPr>
+          <p:cNvPr id="5" name="Picture 4">
+            <a:extLst>
+              <a:ext uri="{FF2B5EF4-FFF2-40B4-BE49-F238E27FC236}">
+                <a16:creationId xmlns:a16="http://schemas.microsoft.com/office/drawing/2014/main" id="{8A69C324-96E9-CB4E-7342-7E021A116C88}"/>
+              </a:ext>
+            </a:extLst>
+          </p:cNvPr>
+          <p:cNvPicPr>
+            <a:picLocks noChangeAspect="1"/>
+          </p:cNvPicPr>
+          <p:nvPr/>
+        </p:nvPicPr>
+        <p:blipFill>
+          <a:blip r:embed="rId2"/>
+          <a:stretch>
+            <a:fillRect/>
+          </a:stretch>
+        </p:blipFill>
+        <p:spPr>
+          <a:xfrm>
+            <a:off x="3071446" y="119502"/>
+            <a:ext cx="2716492" cy="2845541"/>
+          </a:xfrm>
+          <a:prstGeom prst="rect">
+            <a:avLst/>
+          </a:prstGeom>
+        </p:spPr>
+      </p:pic>
+    </p:spTree>
+    <p:extLst>
+      <p:ext uri="{BB962C8B-B14F-4D97-AF65-F5344CB8AC3E}">
+        <p14:creationId xmlns:p14="http://schemas.microsoft.com/office/powerpoint/2010/main" val="1342616619"/>
+      </p:ext>
+    </p:extLst>
+  </p:cSld>
+  <p:clrMapOvr>
+    <a:masterClrMapping/>
+  </p:clrMapOvr>
+</p:sld>
+</file>
+
 <file path=ppt/slides/slide3.xml><?xml version="1.0" encoding="utf-8"?>
+<p:sld xmlns:a="http://schemas.openxmlformats.org/drawingml/2006/main" xmlns:r="http://schemas.openxmlformats.org/officeDocument/2006/relationships" xmlns:p="http://schemas.openxmlformats.org/presentationml/2006/main">
+  <p:cSld>
+    <p:spTree>
+      <p:nvGrpSpPr>
+        <p:cNvPr id="1" name=""/>
+        <p:cNvGrpSpPr/>
+        <p:nvPr/>
+      </p:nvGrpSpPr>
+      <p:grpSpPr>
+        <a:xfrm>
+          <a:off x="0" y="0"/>
+          <a:ext cx="0" cy="0"/>
+          <a:chOff x="0" y="0"/>
+          <a:chExt cx="0" cy="0"/>
+        </a:xfrm>
+      </p:grpSpPr>
+      <p:sp>
+        <p:nvSpPr>
+          <p:cNvPr id="2" name="Title 1">
+            <a:extLst>
+              <a:ext uri="{FF2B5EF4-FFF2-40B4-BE49-F238E27FC236}">
+                <a16:creationId xmlns:a16="http://schemas.microsoft.com/office/drawing/2014/main" id="{1C622B5C-27B5-1449-458D-905F0BF07A49}"/>
+              </a:ext>
+            </a:extLst>
+          </p:cNvPr>
+          <p:cNvSpPr>
+            <a:spLocks noGrp="1"/>
+          </p:cNvSpPr>
+          <p:nvPr>
+            <p:ph type="title"/>
+          </p:nvPr>
+        </p:nvSpPr>
+        <p:spPr/>
+        <p:txBody>
+          <a:bodyPr/>
+          <a:lstStyle/>
+          <a:p>
+            <a:r>
+              <a:rPr lang="en-US" dirty="0"/>
+              <a:t>Analyzing the problem</a:t>
+            </a:r>
+          </a:p>
+        </p:txBody>
+      </p:sp>
+      <p:sp>
+        <p:nvSpPr>
+          <p:cNvPr id="3" name="Text Placeholder 2">
+            <a:extLst>
+              <a:ext uri="{FF2B5EF4-FFF2-40B4-BE49-F238E27FC236}">
+                <a16:creationId xmlns:a16="http://schemas.microsoft.com/office/drawing/2014/main" id="{9F1072FB-4FB0-6115-3F1B-47DAF745D9FB}"/>
+              </a:ext>
+            </a:extLst>
+          </p:cNvPr>
+          <p:cNvSpPr>
+            <a:spLocks noGrp="1"/>
+          </p:cNvSpPr>
+          <p:nvPr>
+            <p:ph type="body" idx="1"/>
+          </p:nvPr>
+        </p:nvSpPr>
+        <p:spPr/>
+        <p:txBody>
+          <a:bodyPr/>
+          <a:lstStyle/>
+          <a:p>
+            <a:pPr algn="just"/>
+            <a:r>
+              <a:rPr lang="en-US" dirty="0"/>
+              <a:t>The primary challenge lies in accurately detecting fraudulent vehicle insurance claims amidst vast amounts of data. Manual reviews are time-consuming and prone to human error, while rule-based systems lack adaptability to evolving fraud patterns. Implementing machine learning models offers a promising approach to predict and identify fraudulent claims efficiently, thereby safeguarding company assets and maintaining customer confidence.</a:t>
+            </a:r>
+          </a:p>
+        </p:txBody>
+      </p:sp>
+    </p:spTree>
+    <p:extLst>
+      <p:ext uri="{BB962C8B-B14F-4D97-AF65-F5344CB8AC3E}">
+        <p14:creationId xmlns:p14="http://schemas.microsoft.com/office/powerpoint/2010/main" val="34627066"/>
+      </p:ext>
+    </p:extLst>
+  </p:cSld>
+  <p:clrMapOvr>
+    <a:masterClrMapping/>
+  </p:clrMapOvr>
+</p:sld>
+</file>
+
+<file path=ppt/slides/slide4.xml><?xml version="1.0" encoding="utf-8"?>
 <p:sld xmlns:a="http://schemas.openxmlformats.org/drawingml/2006/main" xmlns:r="http://schemas.openxmlformats.org/officeDocument/2006/relationships" xmlns:p="http://schemas.openxmlformats.org/presentationml/2006/main">
   <p:cSld>
     <p:spTree>
@@ -31689,10 +33482,10 @@
               <a:buNone/>
             </a:pPr>
             <a:r>
-              <a:rPr lang="en"/>
-              <a:t>Insert your title here</a:t>
+              <a:rPr lang="en-US" dirty="0"/>
+              <a:t>Work phases</a:t>
             </a:r>
-            <a:endParaRPr/>
+            <a:endParaRPr dirty="0"/>
           </a:p>
         </p:txBody>
       </p:sp>
@@ -31708,7 +33501,7 @@
         </p:nvSpPr>
         <p:spPr>
           <a:xfrm>
-            <a:off x="3454400" y="2886754"/>
+            <a:off x="3443527" y="3095269"/>
             <a:ext cx="2256946" cy="417031"/>
           </a:xfrm>
           <a:prstGeom prst="rect">
@@ -31739,60 +33532,10 @@
               <a:buNone/>
             </a:pPr>
             <a:r>
-              <a:rPr lang="en"/>
-              <a:t>Your text here</a:t>
+              <a:rPr lang="en" dirty="0"/>
+              <a:t>Preproccessing </a:t>
             </a:r>
-            <a:endParaRPr/>
-          </a:p>
-        </p:txBody>
-      </p:sp>
-      <p:sp>
-        <p:nvSpPr>
-          <p:cNvPr id="276" name="Google Shape;276;p33"/>
-          <p:cNvSpPr txBox="1">
-            <a:spLocks noGrp="1"/>
-          </p:cNvSpPr>
-          <p:nvPr>
-            <p:ph type="body" idx="2"/>
-          </p:nvPr>
-        </p:nvSpPr>
-        <p:spPr>
-          <a:xfrm>
-            <a:off x="3454400" y="3319043"/>
-            <a:ext cx="2256946" cy="1084773"/>
-          </a:xfrm>
-          <a:prstGeom prst="rect">
-            <a:avLst/>
-          </a:prstGeom>
-          <a:noFill/>
-          <a:ln>
-            <a:noFill/>
-          </a:ln>
-        </p:spPr>
-        <p:txBody>
-          <a:bodyPr spcFirstLastPara="1" wrap="square" lIns="91425" tIns="45700" rIns="91425" bIns="45700" anchor="ctr" anchorCtr="0">
-            <a:noAutofit/>
-          </a:bodyPr>
-          <a:lstStyle/>
-          <a:p>
-            <a:pPr marL="0" lvl="0" indent="0" algn="ctr" rtl="0">
-              <a:spcBef>
-                <a:spcPts val="0"/>
-              </a:spcBef>
-              <a:spcAft>
-                <a:spcPts val="0"/>
-              </a:spcAft>
-              <a:buClr>
-                <a:srgbClr val="A9B2BD"/>
-              </a:buClr>
-              <a:buSzPts val="1800"/>
-              <a:buNone/>
-            </a:pPr>
-            <a:r>
-              <a:rPr lang="en"/>
-              <a:t>This is a sample text. Insert your desired text here.</a:t>
-            </a:r>
-            <a:endParaRPr/>
+            <a:endParaRPr dirty="0"/>
           </a:p>
         </p:txBody>
       </p:sp>
@@ -31808,7 +33551,7 @@
         </p:nvSpPr>
         <p:spPr>
           <a:xfrm>
-            <a:off x="6131478" y="2886754"/>
+            <a:off x="6123663" y="3121592"/>
             <a:ext cx="2256946" cy="417031"/>
           </a:xfrm>
           <a:prstGeom prst="rect">
@@ -31839,60 +33582,10 @@
               <a:buNone/>
             </a:pPr>
             <a:r>
-              <a:rPr lang="en"/>
-              <a:t>Your text here</a:t>
+              <a:rPr lang="en" dirty="0"/>
+              <a:t>Model training and selection</a:t>
             </a:r>
-            <a:endParaRPr/>
-          </a:p>
-        </p:txBody>
-      </p:sp>
-      <p:sp>
-        <p:nvSpPr>
-          <p:cNvPr id="278" name="Google Shape;278;p33"/>
-          <p:cNvSpPr txBox="1">
-            <a:spLocks noGrp="1"/>
-          </p:cNvSpPr>
-          <p:nvPr>
-            <p:ph type="body" idx="4"/>
-          </p:nvPr>
-        </p:nvSpPr>
-        <p:spPr>
-          <a:xfrm>
-            <a:off x="6131478" y="3319043"/>
-            <a:ext cx="2256946" cy="1084773"/>
-          </a:xfrm>
-          <a:prstGeom prst="rect">
-            <a:avLst/>
-          </a:prstGeom>
-          <a:noFill/>
-          <a:ln>
-            <a:noFill/>
-          </a:ln>
-        </p:spPr>
-        <p:txBody>
-          <a:bodyPr spcFirstLastPara="1" wrap="square" lIns="91425" tIns="45700" rIns="91425" bIns="45700" anchor="ctr" anchorCtr="0">
-            <a:noAutofit/>
-          </a:bodyPr>
-          <a:lstStyle/>
-          <a:p>
-            <a:pPr marL="0" lvl="0" indent="0" algn="ctr" rtl="0">
-              <a:spcBef>
-                <a:spcPts val="0"/>
-              </a:spcBef>
-              <a:spcAft>
-                <a:spcPts val="0"/>
-              </a:spcAft>
-              <a:buClr>
-                <a:srgbClr val="A9B2BD"/>
-              </a:buClr>
-              <a:buSzPts val="1800"/>
-              <a:buNone/>
-            </a:pPr>
-            <a:r>
-              <a:rPr lang="en"/>
-              <a:t>This is a sample text. Insert your desired text here.</a:t>
-            </a:r>
-            <a:endParaRPr/>
+            <a:endParaRPr dirty="0"/>
           </a:p>
         </p:txBody>
       </p:sp>
@@ -31908,7 +33601,7 @@
         </p:nvSpPr>
         <p:spPr>
           <a:xfrm>
-            <a:off x="755576" y="2886754"/>
+            <a:off x="693052" y="3121592"/>
             <a:ext cx="2256946" cy="417031"/>
           </a:xfrm>
           <a:prstGeom prst="rect">
@@ -31939,60 +33632,10 @@
               <a:buNone/>
             </a:pPr>
             <a:r>
-              <a:rPr lang="en"/>
-              <a:t>Your text here</a:t>
+              <a:rPr lang="en" dirty="0"/>
+              <a:t>EDA</a:t>
             </a:r>
-            <a:endParaRPr/>
-          </a:p>
-        </p:txBody>
-      </p:sp>
-      <p:sp>
-        <p:nvSpPr>
-          <p:cNvPr id="280" name="Google Shape;280;p33"/>
-          <p:cNvSpPr txBox="1">
-            <a:spLocks noGrp="1"/>
-          </p:cNvSpPr>
-          <p:nvPr>
-            <p:ph type="body" idx="6"/>
-          </p:nvPr>
-        </p:nvSpPr>
-        <p:spPr>
-          <a:xfrm>
-            <a:off x="755576" y="3319043"/>
-            <a:ext cx="2256946" cy="1084773"/>
-          </a:xfrm>
-          <a:prstGeom prst="rect">
-            <a:avLst/>
-          </a:prstGeom>
-          <a:noFill/>
-          <a:ln>
-            <a:noFill/>
-          </a:ln>
-        </p:spPr>
-        <p:txBody>
-          <a:bodyPr spcFirstLastPara="1" wrap="square" lIns="91425" tIns="45700" rIns="91425" bIns="45700" anchor="ctr" anchorCtr="0">
-            <a:noAutofit/>
-          </a:bodyPr>
-          <a:lstStyle/>
-          <a:p>
-            <a:pPr marL="0" lvl="0" indent="0" algn="ctr" rtl="0">
-              <a:spcBef>
-                <a:spcPts val="0"/>
-              </a:spcBef>
-              <a:spcAft>
-                <a:spcPts val="0"/>
-              </a:spcAft>
-              <a:buClr>
-                <a:srgbClr val="A9B2BD"/>
-              </a:buClr>
-              <a:buSzPts val="1800"/>
-              <a:buNone/>
-            </a:pPr>
-            <a:r>
-              <a:rPr lang="en"/>
-              <a:t>This is a sample text. Insert your desired text here.</a:t>
-            </a:r>
-            <a:endParaRPr/>
+            <a:endParaRPr dirty="0"/>
           </a:p>
         </p:txBody>
       </p:sp>
@@ -32004,7 +33647,451 @@
 </p:sld>
 </file>
 
-<file path=ppt/slides/slide4.xml><?xml version="1.0" encoding="utf-8"?>
+<file path=ppt/slides/slide5.xml><?xml version="1.0" encoding="utf-8"?>
+<p:sld xmlns:a="http://schemas.openxmlformats.org/drawingml/2006/main" xmlns:r="http://schemas.openxmlformats.org/officeDocument/2006/relationships" xmlns:p="http://schemas.openxmlformats.org/presentationml/2006/main">
+  <p:cSld>
+    <p:spTree>
+      <p:nvGrpSpPr>
+        <p:cNvPr id="1" name=""/>
+        <p:cNvGrpSpPr/>
+        <p:nvPr/>
+      </p:nvGrpSpPr>
+      <p:grpSpPr>
+        <a:xfrm>
+          <a:off x="0" y="0"/>
+          <a:ext cx="0" cy="0"/>
+          <a:chOff x="0" y="0"/>
+          <a:chExt cx="0" cy="0"/>
+        </a:xfrm>
+      </p:grpSpPr>
+      <p:sp>
+        <p:nvSpPr>
+          <p:cNvPr id="2" name="Title 1">
+            <a:extLst>
+              <a:ext uri="{FF2B5EF4-FFF2-40B4-BE49-F238E27FC236}">
+                <a16:creationId xmlns:a16="http://schemas.microsoft.com/office/drawing/2014/main" id="{DD6B6A37-6C1C-DEF8-555A-4067EFCA4B17}"/>
+              </a:ext>
+            </a:extLst>
+          </p:cNvPr>
+          <p:cNvSpPr>
+            <a:spLocks noGrp="1"/>
+          </p:cNvSpPr>
+          <p:nvPr>
+            <p:ph type="title"/>
+          </p:nvPr>
+        </p:nvSpPr>
+        <p:spPr/>
+        <p:txBody>
+          <a:bodyPr/>
+          <a:lstStyle/>
+          <a:p>
+            <a:r>
+              <a:rPr lang="en-US" dirty="0"/>
+              <a:t>Dataset Overview</a:t>
+            </a:r>
+          </a:p>
+        </p:txBody>
+      </p:sp>
+      <p:sp>
+        <p:nvSpPr>
+          <p:cNvPr id="4" name="Rectangle 1">
+            <a:extLst>
+              <a:ext uri="{FF2B5EF4-FFF2-40B4-BE49-F238E27FC236}">
+                <a16:creationId xmlns:a16="http://schemas.microsoft.com/office/drawing/2014/main" id="{8FA5CD2F-75DE-107D-E5FD-1CF70282E286}"/>
+              </a:ext>
+            </a:extLst>
+          </p:cNvPr>
+          <p:cNvSpPr>
+            <a:spLocks noGrp="1" noChangeArrowheads="1"/>
+          </p:cNvSpPr>
+          <p:nvPr>
+            <p:ph type="body" idx="1"/>
+          </p:nvPr>
+        </p:nvSpPr>
+        <p:spPr bwMode="auto">
+          <a:xfrm>
+            <a:off x="1857798" y="2188733"/>
+            <a:ext cx="6882012" cy="2185214"/>
+          </a:xfrm>
+          <a:prstGeom prst="rect">
+            <a:avLst/>
+          </a:prstGeom>
+          <a:noFill/>
+          <a:ln>
+            <a:noFill/>
+          </a:ln>
+          <a:effectLst/>
+          <a:extLst>
+            <a:ext uri="{909E8E84-426E-40DD-AFC4-6F175D3DCCD1}">
+              <a14:hiddenFill xmlns:a14="http://schemas.microsoft.com/office/drawing/2010/main">
+                <a:solidFill>
+                  <a:schemeClr val="accent1"/>
+                </a:solidFill>
+              </a14:hiddenFill>
+            </a:ext>
+            <a:ext uri="{91240B29-F687-4F45-9708-019B960494DF}">
+              <a14:hiddenLine xmlns:a14="http://schemas.microsoft.com/office/drawing/2010/main" w="9525">
+                <a:solidFill>
+                  <a:schemeClr val="tx1"/>
+                </a:solidFill>
+                <a:miter lim="800000"/>
+                <a:headEnd/>
+                <a:tailEnd/>
+              </a14:hiddenLine>
+            </a:ext>
+            <a:ext uri="{AF507438-7753-43E0-B8FC-AC1667EBCBE1}">
+              <a14:hiddenEffects xmlns:a14="http://schemas.microsoft.com/office/drawing/2010/main">
+                <a:effectLst>
+                  <a:outerShdw dist="35921" dir="2700000" algn="ctr" rotWithShape="0">
+                    <a:schemeClr val="bg2"/>
+                  </a:outerShdw>
+                </a:effectLst>
+              </a14:hiddenEffects>
+            </a:ext>
+          </a:extLst>
+        </p:spPr>
+        <p:txBody>
+          <a:bodyPr vert="horz" wrap="none" lIns="91440" tIns="45720" rIns="91440" bIns="45720" numCol="1" anchor="ctr" anchorCtr="0" compatLnSpc="1">
+            <a:prstTxWarp prst="textNoShape">
+              <a:avLst/>
+            </a:prstTxWarp>
+            <a:spAutoFit/>
+          </a:bodyPr>
+          <a:lstStyle/>
+          <a:p>
+            <a:pPr marL="0" marR="0" lvl="0" indent="0" algn="l" defTabSz="914400" rtl="0" eaLnBrk="0" fontAlgn="base" latinLnBrk="0" hangingPunct="0">
+              <a:lnSpc>
+                <a:spcPct val="100000"/>
+              </a:lnSpc>
+              <a:spcBef>
+                <a:spcPct val="0"/>
+              </a:spcBef>
+              <a:spcAft>
+                <a:spcPct val="0"/>
+              </a:spcAft>
+              <a:buClrTx/>
+              <a:buSzTx/>
+              <a:buFontTx/>
+              <a:buChar char="•"/>
+              <a:tabLst/>
+            </a:pPr>
+            <a:r>
+              <a:rPr kumimoji="0" lang="en-US" altLang="en-US" sz="1800" b="0" i="0" u="none" strike="noStrike" cap="none" normalizeH="0" baseline="0" dirty="0">
+                <a:ln>
+                  <a:noFill/>
+                </a:ln>
+                <a:solidFill>
+                  <a:schemeClr val="tx1"/>
+                </a:solidFill>
+                <a:effectLst/>
+                <a:latin typeface="Arial" panose="020B0604020202020204" pitchFamily="34" charset="0"/>
+              </a:rPr>
+              <a:t>The dataset contains thousands of insurance claim records from </a:t>
+            </a:r>
+          </a:p>
+          <a:p>
+            <a:pPr marL="0" marR="0" lvl="0" indent="0" algn="l" defTabSz="914400" rtl="0" eaLnBrk="0" fontAlgn="base" latinLnBrk="0" hangingPunct="0">
+              <a:lnSpc>
+                <a:spcPct val="100000"/>
+              </a:lnSpc>
+              <a:spcBef>
+                <a:spcPct val="0"/>
+              </a:spcBef>
+              <a:spcAft>
+                <a:spcPct val="0"/>
+              </a:spcAft>
+              <a:buClrTx/>
+              <a:buSzTx/>
+              <a:tabLst/>
+            </a:pPr>
+            <a:r>
+              <a:rPr kumimoji="0" lang="en-US" altLang="en-US" sz="1800" b="0" i="0" u="none" strike="noStrike" cap="none" normalizeH="0" baseline="0" dirty="0">
+                <a:ln>
+                  <a:noFill/>
+                </a:ln>
+                <a:solidFill>
+                  <a:schemeClr val="tx1"/>
+                </a:solidFill>
+                <a:effectLst/>
+                <a:latin typeface="Arial" panose="020B0604020202020204" pitchFamily="34" charset="0"/>
+              </a:rPr>
+              <a:t>a vehicle insurance company, used to detect fraudulent claims.</a:t>
+            </a:r>
+          </a:p>
+          <a:p>
+            <a:pPr marL="0" marR="0" lvl="0" indent="0" algn="l" defTabSz="914400" rtl="0" eaLnBrk="0" fontAlgn="base" latinLnBrk="0" hangingPunct="0">
+              <a:lnSpc>
+                <a:spcPct val="100000"/>
+              </a:lnSpc>
+              <a:spcBef>
+                <a:spcPct val="0"/>
+              </a:spcBef>
+              <a:spcAft>
+                <a:spcPct val="0"/>
+              </a:spcAft>
+              <a:buClrTx/>
+              <a:buSzTx/>
+              <a:buFontTx/>
+              <a:buChar char="•"/>
+              <a:tabLst/>
+            </a:pPr>
+            <a:r>
+              <a:rPr kumimoji="0" lang="en-US" altLang="en-US" sz="1800" b="1" i="0" u="none" strike="noStrike" cap="none" normalizeH="0" baseline="0" dirty="0">
+                <a:ln>
+                  <a:noFill/>
+                </a:ln>
+                <a:solidFill>
+                  <a:schemeClr val="tx1"/>
+                </a:solidFill>
+                <a:effectLst/>
+                <a:latin typeface="Arial" panose="020B0604020202020204" pitchFamily="34" charset="0"/>
+              </a:rPr>
+              <a:t>Key Features</a:t>
+            </a:r>
+            <a:r>
+              <a:rPr kumimoji="0" lang="en-US" altLang="en-US" sz="1800" b="0" i="0" u="none" strike="noStrike" cap="none" normalizeH="0" baseline="0" dirty="0">
+                <a:ln>
+                  <a:noFill/>
+                </a:ln>
+                <a:solidFill>
+                  <a:schemeClr val="tx1"/>
+                </a:solidFill>
+                <a:effectLst/>
+                <a:latin typeface="Arial" panose="020B0604020202020204" pitchFamily="34" charset="0"/>
+              </a:rPr>
+              <a:t>:</a:t>
+            </a:r>
+          </a:p>
+          <a:p>
+            <a:pPr marL="742950" lvl="1" indent="-285750" eaLnBrk="0" fontAlgn="base" hangingPunct="0">
+              <a:spcBef>
+                <a:spcPct val="0"/>
+              </a:spcBef>
+              <a:spcAft>
+                <a:spcPct val="0"/>
+              </a:spcAft>
+              <a:buClrTx/>
+              <a:buSzTx/>
+              <a:buFont typeface="Courier New" panose="02070309020205020404" pitchFamily="49" charset="0"/>
+              <a:buChar char="o"/>
+            </a:pPr>
+            <a:r>
+              <a:rPr kumimoji="0" lang="en-US" altLang="en-US" sz="1600" b="0" i="1" u="none" strike="noStrike" cap="none" normalizeH="0" baseline="0" dirty="0">
+                <a:ln>
+                  <a:noFill/>
+                </a:ln>
+                <a:solidFill>
+                  <a:schemeClr val="tx1"/>
+                </a:solidFill>
+                <a:effectLst/>
+                <a:latin typeface="Arial" panose="020B0604020202020204" pitchFamily="34" charset="0"/>
+              </a:rPr>
+              <a:t>Claims</a:t>
+            </a:r>
+            <a:r>
+              <a:rPr kumimoji="0" lang="en-US" altLang="en-US" sz="1600" b="0" i="0" u="none" strike="noStrike" cap="none" normalizeH="0" baseline="0" dirty="0">
+                <a:ln>
+                  <a:noFill/>
+                </a:ln>
+                <a:solidFill>
+                  <a:schemeClr val="tx1"/>
+                </a:solidFill>
+                <a:effectLst/>
+                <a:latin typeface="Arial" panose="020B0604020202020204" pitchFamily="34" charset="0"/>
+              </a:rPr>
+              <a:t>: Type of claim, accident details.</a:t>
+            </a:r>
+          </a:p>
+          <a:p>
+            <a:pPr marL="742950" lvl="1" indent="-285750" eaLnBrk="0" fontAlgn="base" hangingPunct="0">
+              <a:spcBef>
+                <a:spcPct val="0"/>
+              </a:spcBef>
+              <a:spcAft>
+                <a:spcPct val="0"/>
+              </a:spcAft>
+              <a:buClrTx/>
+              <a:buSzTx/>
+              <a:buFont typeface="Courier New" panose="02070309020205020404" pitchFamily="49" charset="0"/>
+              <a:buChar char="o"/>
+            </a:pPr>
+            <a:r>
+              <a:rPr kumimoji="0" lang="en-US" altLang="en-US" sz="1600" b="0" i="1" u="none" strike="noStrike" cap="none" normalizeH="0" baseline="0" dirty="0">
+                <a:ln>
+                  <a:noFill/>
+                </a:ln>
+                <a:solidFill>
+                  <a:schemeClr val="tx1"/>
+                </a:solidFill>
+                <a:effectLst/>
+                <a:latin typeface="Arial" panose="020B0604020202020204" pitchFamily="34" charset="0"/>
+              </a:rPr>
+              <a:t>Vehicles</a:t>
+            </a:r>
+            <a:r>
+              <a:rPr kumimoji="0" lang="en-US" altLang="en-US" sz="1600" b="0" i="0" u="none" strike="noStrike" cap="none" normalizeH="0" baseline="0" dirty="0">
+                <a:ln>
+                  <a:noFill/>
+                </a:ln>
+                <a:solidFill>
+                  <a:schemeClr val="tx1"/>
+                </a:solidFill>
+                <a:effectLst/>
+                <a:latin typeface="Arial" panose="020B0604020202020204" pitchFamily="34" charset="0"/>
+              </a:rPr>
+              <a:t>: Vehicle age, make, and category.</a:t>
+            </a:r>
+          </a:p>
+          <a:p>
+            <a:pPr marL="742950" lvl="1" indent="-285750" eaLnBrk="0" fontAlgn="base" hangingPunct="0">
+              <a:spcBef>
+                <a:spcPct val="0"/>
+              </a:spcBef>
+              <a:spcAft>
+                <a:spcPct val="0"/>
+              </a:spcAft>
+              <a:buClrTx/>
+              <a:buSzTx/>
+              <a:buFont typeface="Courier New" panose="02070309020205020404" pitchFamily="49" charset="0"/>
+              <a:buChar char="o"/>
+            </a:pPr>
+            <a:r>
+              <a:rPr kumimoji="0" lang="en-US" altLang="en-US" sz="1600" b="0" i="1" u="none" strike="noStrike" cap="none" normalizeH="0" baseline="0" dirty="0">
+                <a:ln>
+                  <a:noFill/>
+                </a:ln>
+                <a:solidFill>
+                  <a:schemeClr val="tx1"/>
+                </a:solidFill>
+                <a:effectLst/>
+                <a:latin typeface="Arial" panose="020B0604020202020204" pitchFamily="34" charset="0"/>
+              </a:rPr>
+              <a:t>Policyholders</a:t>
+            </a:r>
+            <a:r>
+              <a:rPr kumimoji="0" lang="en-US" altLang="en-US" sz="1600" b="0" i="0" u="none" strike="noStrike" cap="none" normalizeH="0" baseline="0" dirty="0">
+                <a:ln>
+                  <a:noFill/>
+                </a:ln>
+                <a:solidFill>
+                  <a:schemeClr val="tx1"/>
+                </a:solidFill>
+                <a:effectLst/>
+                <a:latin typeface="Arial" panose="020B0604020202020204" pitchFamily="34" charset="0"/>
+              </a:rPr>
+              <a:t>: Age, gender, marital status, and policy details.</a:t>
+            </a:r>
+          </a:p>
+          <a:p>
+            <a:pPr marL="0" marR="0" lvl="0" indent="0" algn="l" defTabSz="914400" rtl="0" eaLnBrk="0" fontAlgn="base" latinLnBrk="0" hangingPunct="0">
+              <a:lnSpc>
+                <a:spcPct val="100000"/>
+              </a:lnSpc>
+              <a:spcBef>
+                <a:spcPct val="0"/>
+              </a:spcBef>
+              <a:spcAft>
+                <a:spcPct val="0"/>
+              </a:spcAft>
+              <a:buClrTx/>
+              <a:buSzTx/>
+              <a:buFontTx/>
+              <a:buChar char="•"/>
+              <a:tabLst/>
+            </a:pPr>
+            <a:r>
+              <a:rPr kumimoji="0" lang="en-US" altLang="en-US" sz="1800" b="1" i="0" u="none" strike="noStrike" cap="none" normalizeH="0" baseline="0" dirty="0">
+                <a:ln>
+                  <a:noFill/>
+                </a:ln>
+                <a:solidFill>
+                  <a:schemeClr val="tx1"/>
+                </a:solidFill>
+                <a:effectLst/>
+                <a:latin typeface="Arial" panose="020B0604020202020204" pitchFamily="34" charset="0"/>
+              </a:rPr>
+              <a:t>Target Variable</a:t>
+            </a:r>
+            <a:r>
+              <a:rPr kumimoji="0" lang="en-US" altLang="en-US" sz="1800" b="0" i="0" u="none" strike="noStrike" cap="none" normalizeH="0" baseline="0" dirty="0">
+                <a:ln>
+                  <a:noFill/>
+                </a:ln>
+                <a:solidFill>
+                  <a:schemeClr val="tx1"/>
+                </a:solidFill>
+                <a:effectLst/>
+                <a:latin typeface="Arial" panose="020B0604020202020204" pitchFamily="34" charset="0"/>
+              </a:rPr>
+              <a:t>:</a:t>
+            </a:r>
+          </a:p>
+          <a:p>
+            <a:pPr marL="742950" lvl="1" indent="-285750" eaLnBrk="0" fontAlgn="base" hangingPunct="0">
+              <a:spcBef>
+                <a:spcPct val="0"/>
+              </a:spcBef>
+              <a:spcAft>
+                <a:spcPct val="0"/>
+              </a:spcAft>
+              <a:buClrTx/>
+              <a:buSzTx/>
+              <a:buFont typeface="Courier New" panose="02070309020205020404" pitchFamily="49" charset="0"/>
+              <a:buChar char="o"/>
+            </a:pPr>
+            <a:r>
+              <a:rPr kumimoji="0" lang="en-US" altLang="en-US" sz="1600" b="0" i="0" u="none" strike="noStrike" cap="none" normalizeH="0" baseline="0" dirty="0" err="1">
+                <a:ln>
+                  <a:noFill/>
+                </a:ln>
+                <a:solidFill>
+                  <a:schemeClr val="tx1"/>
+                </a:solidFill>
+                <a:effectLst/>
+                <a:latin typeface="Arial Unicode MS"/>
+              </a:rPr>
+              <a:t>FraudFound_P</a:t>
+            </a:r>
+            <a:r>
+              <a:rPr kumimoji="0" lang="en-US" altLang="en-US" sz="1600" b="0" i="0" u="none" strike="noStrike" cap="none" normalizeH="0" baseline="0" dirty="0">
+                <a:ln>
+                  <a:noFill/>
+                </a:ln>
+                <a:solidFill>
+                  <a:schemeClr val="tx1"/>
+                </a:solidFill>
+                <a:effectLst/>
+                <a:latin typeface="Arial Unicode MS"/>
+              </a:rPr>
+              <a:t> – binary value: (1) fraud and (0) no fraud </a:t>
+            </a:r>
+            <a:endParaRPr kumimoji="0" lang="en-US" altLang="en-US" sz="2400" b="0" i="0" u="none" strike="noStrike" cap="none" normalizeH="0" baseline="0" dirty="0">
+              <a:ln>
+                <a:noFill/>
+              </a:ln>
+              <a:solidFill>
+                <a:schemeClr val="tx1"/>
+              </a:solidFill>
+              <a:effectLst/>
+              <a:latin typeface="Arial" panose="020B0604020202020204" pitchFamily="34" charset="0"/>
+            </a:endParaRPr>
+          </a:p>
+        </p:txBody>
+      </p:sp>
+    </p:spTree>
+    <p:extLst>
+      <p:ext uri="{BB962C8B-B14F-4D97-AF65-F5344CB8AC3E}">
+        <p14:creationId xmlns:p14="http://schemas.microsoft.com/office/powerpoint/2010/main" val="3947208096"/>
+      </p:ext>
+    </p:extLst>
+  </p:cSld>
+  <p:clrMapOvr>
+    <a:masterClrMapping/>
+  </p:clrMapOvr>
+</p:sld>
+</file>
+
+<file path=ppt/slides/slide6.xml><?xml version="1.0" encoding="utf-8"?>
 <p:sld xmlns:a="http://schemas.openxmlformats.org/drawingml/2006/main" xmlns:r="http://schemas.openxmlformats.org/officeDocument/2006/relationships" xmlns:p="http://schemas.openxmlformats.org/presentationml/2006/main">
   <p:cSld>
     <p:spTree>
@@ -32065,10 +34152,10 @@
               <a:buNone/>
             </a:pPr>
             <a:r>
-              <a:rPr lang="en"/>
-              <a:t>Insert your title here</a:t>
+              <a:rPr lang="en-US" dirty="0"/>
+              <a:t>Exploratory Data Analysis (EDA)</a:t>
             </a:r>
-            <a:endParaRPr/>
+            <a:endParaRPr dirty="0"/>
           </a:p>
         </p:txBody>
       </p:sp>
@@ -32084,7 +34171,7 @@
         </p:nvSpPr>
         <p:spPr>
           <a:xfrm>
-            <a:off x="4067944" y="1746440"/>
+            <a:off x="4078288" y="2571750"/>
             <a:ext cx="4608512" cy="505509"/>
           </a:xfrm>
           <a:prstGeom prst="rect">
@@ -32101,78 +34188,146 @@
           </a:bodyPr>
           <a:lstStyle/>
           <a:p>
-            <a:pPr marL="0" lvl="0" indent="0" algn="l" rtl="0">
-              <a:spcBef>
-                <a:spcPts val="0"/>
-              </a:spcBef>
-              <a:spcAft>
-                <a:spcPts val="0"/>
-              </a:spcAft>
-              <a:buClr>
-                <a:schemeClr val="accent5"/>
-              </a:buClr>
-              <a:buSzPts val="2800"/>
-              <a:buNone/>
+            <a:pPr marL="0" marR="0" lvl="0" indent="0" algn="l" defTabSz="914400" rtl="0" eaLnBrk="0" fontAlgn="base" latinLnBrk="0" hangingPunct="0">
+              <a:lnSpc>
+                <a:spcPct val="100000"/>
+              </a:lnSpc>
+              <a:spcBef>
+                <a:spcPct val="0"/>
+              </a:spcBef>
+              <a:spcAft>
+                <a:spcPct val="0"/>
+              </a:spcAft>
+              <a:buClrTx/>
+              <a:buSzTx/>
+              <a:buFontTx/>
+              <a:buChar char="•"/>
+              <a:tabLst/>
             </a:pPr>
             <a:r>
-              <a:rPr lang="en">
+              <a:rPr kumimoji="0" lang="en-US" altLang="en-US" sz="1800" b="1" i="0" u="none" strike="noStrike" cap="none" normalizeH="0" baseline="0" dirty="0">
+                <a:ln>
+                  <a:noFill/>
+                </a:ln>
                 <a:solidFill>
-                  <a:schemeClr val="accent5"/>
+                  <a:srgbClr val="49CFAE"/>
                 </a:solidFill>
+                <a:effectLst/>
+                <a:latin typeface="Arial" panose="020B0604020202020204" pitchFamily="34" charset="0"/>
               </a:rPr>
-              <a:t>Insert your text here</a:t>
+              <a:t>Class Imbalance</a:t>
             </a:r>
-            <a:endParaRPr/>
+            <a:r>
+              <a:rPr kumimoji="0" lang="en-US" altLang="en-US" sz="1800" b="0" i="0" u="none" strike="noStrike" cap="none" normalizeH="0" baseline="0" dirty="0">
+                <a:ln>
+                  <a:noFill/>
+                </a:ln>
+                <a:solidFill>
+                  <a:srgbClr val="49CFAE"/>
+                </a:solidFill>
+                <a:effectLst/>
+                <a:latin typeface="Arial" panose="020B0604020202020204" pitchFamily="34" charset="0"/>
+              </a:rPr>
+              <a:t>: Fraudulent claims are significantly fewer than legitimate ones.</a:t>
+            </a:r>
           </a:p>
-        </p:txBody>
-      </p:sp>
-      <p:sp>
-        <p:nvSpPr>
-          <p:cNvPr id="287" name="Google Shape;287;p34"/>
-          <p:cNvSpPr txBox="1">
-            <a:spLocks noGrp="1"/>
-          </p:cNvSpPr>
-          <p:nvPr>
-            <p:ph type="body" idx="2"/>
-          </p:nvPr>
-        </p:nvSpPr>
-        <p:spPr>
-          <a:xfrm>
-            <a:off x="4067944" y="2459046"/>
-            <a:ext cx="4608512" cy="2003544"/>
-          </a:xfrm>
-          <a:prstGeom prst="rect">
-            <a:avLst/>
-          </a:prstGeom>
-          <a:noFill/>
-          <a:ln>
-            <a:noFill/>
-          </a:ln>
-        </p:spPr>
-        <p:txBody>
-          <a:bodyPr spcFirstLastPara="1" wrap="square" lIns="91425" tIns="45700" rIns="91425" bIns="45700" anchor="t" anchorCtr="0">
-            <a:noAutofit/>
-          </a:bodyPr>
-          <a:lstStyle/>
           <a:p>
-            <a:pPr marL="0" lvl="0" indent="0" algn="l" rtl="0">
-              <a:spcBef>
-                <a:spcPts val="0"/>
-              </a:spcBef>
-              <a:spcAft>
-                <a:spcPts val="0"/>
-              </a:spcAft>
-              <a:buClr>
-                <a:schemeClr val="dk1"/>
-              </a:buClr>
-              <a:buSzPts val="2000"/>
-              <a:buNone/>
+            <a:pPr marL="0" marR="0" lvl="0" indent="0" algn="l" defTabSz="914400" rtl="0" eaLnBrk="0" fontAlgn="base" latinLnBrk="0" hangingPunct="0">
+              <a:lnSpc>
+                <a:spcPct val="100000"/>
+              </a:lnSpc>
+              <a:spcBef>
+                <a:spcPct val="0"/>
+              </a:spcBef>
+              <a:spcAft>
+                <a:spcPct val="0"/>
+              </a:spcAft>
+              <a:buClrTx/>
+              <a:buSzTx/>
+              <a:buFontTx/>
+              <a:buChar char="•"/>
+              <a:tabLst/>
             </a:pPr>
             <a:r>
-              <a:rPr lang="en"/>
-              <a:t>Lorem ipsum dolor sit amet, consectetur adipisicing elit, sed do eiusmod tempor incididunt ut labore et dolore magna aliqua. </a:t>
+              <a:rPr kumimoji="0" lang="en-US" altLang="en-US" sz="1800" b="1" i="0" u="none" strike="noStrike" cap="none" normalizeH="0" baseline="0" dirty="0">
+                <a:ln>
+                  <a:noFill/>
+                </a:ln>
+                <a:solidFill>
+                  <a:srgbClr val="49CFAE"/>
+                </a:solidFill>
+                <a:effectLst/>
+                <a:latin typeface="Arial" panose="020B0604020202020204" pitchFamily="34" charset="0"/>
+              </a:rPr>
+              <a:t>Feature Distributions</a:t>
             </a:r>
-            <a:endParaRPr/>
+            <a:r>
+              <a:rPr kumimoji="0" lang="en-US" altLang="en-US" sz="1800" b="0" i="0" u="none" strike="noStrike" cap="none" normalizeH="0" baseline="0" dirty="0">
+                <a:ln>
+                  <a:noFill/>
+                </a:ln>
+                <a:solidFill>
+                  <a:srgbClr val="49CFAE"/>
+                </a:solidFill>
+                <a:effectLst/>
+                <a:latin typeface="Arial" panose="020B0604020202020204" pitchFamily="34" charset="0"/>
+              </a:rPr>
+              <a:t>:</a:t>
+            </a:r>
+          </a:p>
+          <a:p>
+            <a:pPr marL="742950" lvl="1" indent="-285750" eaLnBrk="0" fontAlgn="base" hangingPunct="0">
+              <a:spcBef>
+                <a:spcPct val="0"/>
+              </a:spcBef>
+              <a:spcAft>
+                <a:spcPct val="0"/>
+              </a:spcAft>
+              <a:buClrTx/>
+              <a:buSzTx/>
+              <a:buFont typeface="Courier New" panose="02070309020205020404" pitchFamily="49" charset="0"/>
+              <a:buChar char="o"/>
+            </a:pPr>
+            <a:r>
+              <a:rPr kumimoji="0" lang="en-US" altLang="en-US" sz="1800" b="0" i="0" u="none" strike="noStrike" cap="none" normalizeH="0" baseline="0" dirty="0">
+                <a:ln>
+                  <a:noFill/>
+                </a:ln>
+                <a:solidFill>
+                  <a:srgbClr val="49CFAE"/>
+                </a:solidFill>
+                <a:effectLst/>
+                <a:latin typeface="Arial" panose="020B0604020202020204" pitchFamily="34" charset="0"/>
+              </a:rPr>
+              <a:t>Certain categorical variables like vehicle make and accident area show notable differences between fraud and non-fraud cases.</a:t>
+            </a:r>
+          </a:p>
+          <a:p>
+            <a:pPr marL="742950" lvl="1" indent="-285750" eaLnBrk="0" fontAlgn="base" hangingPunct="0">
+              <a:spcBef>
+                <a:spcPct val="0"/>
+              </a:spcBef>
+              <a:spcAft>
+                <a:spcPct val="0"/>
+              </a:spcAft>
+              <a:buClrTx/>
+              <a:buSzTx/>
+              <a:buFont typeface="Courier New" panose="02070309020205020404" pitchFamily="49" charset="0"/>
+              <a:buChar char="o"/>
+            </a:pPr>
+            <a:r>
+              <a:rPr kumimoji="0" lang="en-US" altLang="en-US" sz="1800" b="0" i="0" u="none" strike="noStrike" cap="none" normalizeH="0" baseline="0" dirty="0">
+                <a:ln>
+                  <a:noFill/>
+                </a:ln>
+                <a:solidFill>
+                  <a:srgbClr val="49CFAE"/>
+                </a:solidFill>
+                <a:effectLst/>
+                <a:latin typeface="Arial" panose="020B0604020202020204" pitchFamily="34" charset="0"/>
+              </a:rPr>
+              <a:t>Numerical features like driver rating showed a pretty uniform distribution among the target class.</a:t>
+            </a:r>
           </a:p>
         </p:txBody>
       </p:sp>
@@ -32184,12 +34339,162 @@
 </p:sld>
 </file>
 
-<file path=ppt/slides/slide5.xml><?xml version="1.0" encoding="utf-8"?>
+<file path=ppt/slides/slide7.xml><?xml version="1.0" encoding="utf-8"?>
 <p:sld xmlns:a="http://schemas.openxmlformats.org/drawingml/2006/main" xmlns:r="http://schemas.openxmlformats.org/officeDocument/2006/relationships" xmlns:p="http://schemas.openxmlformats.org/presentationml/2006/main">
   <p:cSld>
     <p:spTree>
       <p:nvGrpSpPr>
-        <p:cNvPr id="1" name="Shape 291"/>
+        <p:cNvPr id="1" name=""/>
+        <p:cNvGrpSpPr/>
+        <p:nvPr/>
+      </p:nvGrpSpPr>
+      <p:grpSpPr>
+        <a:xfrm>
+          <a:off x="0" y="0"/>
+          <a:ext cx="0" cy="0"/>
+          <a:chOff x="0" y="0"/>
+          <a:chExt cx="0" cy="0"/>
+        </a:xfrm>
+      </p:grpSpPr>
+      <p:pic>
+        <p:nvPicPr>
+          <p:cNvPr id="5" name="Picture 4">
+            <a:extLst>
+              <a:ext uri="{FF2B5EF4-FFF2-40B4-BE49-F238E27FC236}">
+                <a16:creationId xmlns:a16="http://schemas.microsoft.com/office/drawing/2014/main" id="{0C22E7C7-02E6-1512-B741-699CBB5A2BDE}"/>
+              </a:ext>
+            </a:extLst>
+          </p:cNvPr>
+          <p:cNvPicPr>
+            <a:picLocks noChangeAspect="1"/>
+          </p:cNvPicPr>
+          <p:nvPr/>
+        </p:nvPicPr>
+        <p:blipFill>
+          <a:blip r:embed="rId2"/>
+          <a:stretch>
+            <a:fillRect/>
+          </a:stretch>
+        </p:blipFill>
+        <p:spPr>
+          <a:xfrm>
+            <a:off x="63256" y="614729"/>
+            <a:ext cx="4382544" cy="3269517"/>
+          </a:xfrm>
+          <a:prstGeom prst="rect">
+            <a:avLst/>
+          </a:prstGeom>
+        </p:spPr>
+      </p:pic>
+      <p:pic>
+        <p:nvPicPr>
+          <p:cNvPr id="7" name="Picture 6">
+            <a:extLst>
+              <a:ext uri="{FF2B5EF4-FFF2-40B4-BE49-F238E27FC236}">
+                <a16:creationId xmlns:a16="http://schemas.microsoft.com/office/drawing/2014/main" id="{4F65D136-7C91-8EC2-27AB-4C7DFE44B66C}"/>
+              </a:ext>
+            </a:extLst>
+          </p:cNvPr>
+          <p:cNvPicPr>
+            <a:picLocks noChangeAspect="1"/>
+          </p:cNvPicPr>
+          <p:nvPr/>
+        </p:nvPicPr>
+        <p:blipFill>
+          <a:blip r:embed="rId3"/>
+          <a:stretch>
+            <a:fillRect/>
+          </a:stretch>
+        </p:blipFill>
+        <p:spPr>
+          <a:xfrm>
+            <a:off x="4510632" y="614729"/>
+            <a:ext cx="4382543" cy="3269516"/>
+          </a:xfrm>
+          <a:prstGeom prst="rect">
+            <a:avLst/>
+          </a:prstGeom>
+        </p:spPr>
+      </p:pic>
+    </p:spTree>
+    <p:extLst>
+      <p:ext uri="{BB962C8B-B14F-4D97-AF65-F5344CB8AC3E}">
+        <p14:creationId xmlns:p14="http://schemas.microsoft.com/office/powerpoint/2010/main" val="3827692120"/>
+      </p:ext>
+    </p:extLst>
+  </p:cSld>
+  <p:clrMapOvr>
+    <a:masterClrMapping/>
+  </p:clrMapOvr>
+</p:sld>
+</file>
+
+<file path=ppt/slides/slide8.xml><?xml version="1.0" encoding="utf-8"?>
+<p:sld xmlns:a="http://schemas.openxmlformats.org/drawingml/2006/main" xmlns:r="http://schemas.openxmlformats.org/officeDocument/2006/relationships" xmlns:p="http://schemas.openxmlformats.org/presentationml/2006/main">
+  <p:cSld>
+    <p:spTree>
+      <p:nvGrpSpPr>
+        <p:cNvPr id="1" name=""/>
+        <p:cNvGrpSpPr/>
+        <p:nvPr/>
+      </p:nvGrpSpPr>
+      <p:grpSpPr>
+        <a:xfrm>
+          <a:off x="0" y="0"/>
+          <a:ext cx="0" cy="0"/>
+          <a:chOff x="0" y="0"/>
+          <a:chExt cx="0" cy="0"/>
+        </a:xfrm>
+      </p:grpSpPr>
+      <p:pic>
+        <p:nvPicPr>
+          <p:cNvPr id="5" name="Picture 4">
+            <a:extLst>
+              <a:ext uri="{FF2B5EF4-FFF2-40B4-BE49-F238E27FC236}">
+                <a16:creationId xmlns:a16="http://schemas.microsoft.com/office/drawing/2014/main" id="{8F7A4531-67AC-2ACA-1022-024EC0F4A3BC}"/>
+              </a:ext>
+            </a:extLst>
+          </p:cNvPr>
+          <p:cNvPicPr>
+            <a:picLocks noChangeAspect="1"/>
+          </p:cNvPicPr>
+          <p:nvPr/>
+        </p:nvPicPr>
+        <p:blipFill>
+          <a:blip r:embed="rId2"/>
+          <a:stretch>
+            <a:fillRect/>
+          </a:stretch>
+        </p:blipFill>
+        <p:spPr>
+          <a:xfrm>
+            <a:off x="0" y="320139"/>
+            <a:ext cx="9144000" cy="3987406"/>
+          </a:xfrm>
+          <a:prstGeom prst="rect">
+            <a:avLst/>
+          </a:prstGeom>
+        </p:spPr>
+      </p:pic>
+    </p:spTree>
+    <p:extLst>
+      <p:ext uri="{BB962C8B-B14F-4D97-AF65-F5344CB8AC3E}">
+        <p14:creationId xmlns:p14="http://schemas.microsoft.com/office/powerpoint/2010/main" val="3708619111"/>
+      </p:ext>
+    </p:extLst>
+  </p:cSld>
+  <p:clrMapOvr>
+    <a:masterClrMapping/>
+  </p:clrMapOvr>
+</p:sld>
+</file>
+
+<file path=ppt/slides/slide9.xml><?xml version="1.0" encoding="utf-8"?>
+<p:sld xmlns:a="http://schemas.openxmlformats.org/drawingml/2006/main" xmlns:r="http://schemas.openxmlformats.org/officeDocument/2006/relationships" xmlns:p="http://schemas.openxmlformats.org/presentationml/2006/main">
+  <p:cSld>
+    <p:spTree>
+      <p:nvGrpSpPr>
+        <p:cNvPr id="1" name=""/>
         <p:cNvGrpSpPr/>
         <p:nvPr/>
       </p:nvGrpSpPr>
@@ -32203,8 +34508,14 @@
       </p:grpSpPr>
       <p:sp>
         <p:nvSpPr>
-          <p:cNvPr id="292" name="Google Shape;292;p35"/>
-          <p:cNvSpPr txBox="1">
+          <p:cNvPr id="2" name="Title 1">
+            <a:extLst>
+              <a:ext uri="{FF2B5EF4-FFF2-40B4-BE49-F238E27FC236}">
+                <a16:creationId xmlns:a16="http://schemas.microsoft.com/office/drawing/2014/main" id="{ED88C24B-795B-82E5-52FC-6299E814D08C}"/>
+              </a:ext>
+            </a:extLst>
+          </p:cNvPr>
+          <p:cNvSpPr>
             <a:spLocks noGrp="1"/>
           </p:cNvSpPr>
           <p:nvPr>
@@ -32213,49 +34524,31 @@
         </p:nvSpPr>
         <p:spPr>
           <a:xfrm>
-            <a:off x="457200" y="205978"/>
-            <a:ext cx="8229600" cy="857250"/>
+            <a:off x="1857798" y="321596"/>
+            <a:ext cx="6829002" cy="857250"/>
           </a:xfrm>
-          <a:prstGeom prst="rect">
-            <a:avLst/>
-          </a:prstGeom>
-          <a:noFill/>
-          <a:ln>
-            <a:noFill/>
-          </a:ln>
         </p:spPr>
         <p:txBody>
-          <a:bodyPr spcFirstLastPara="1" wrap="square" lIns="91425" tIns="45700" rIns="91425" bIns="45700" anchor="ctr" anchorCtr="0">
-            <a:normAutofit/>
-          </a:bodyPr>
+          <a:bodyPr/>
           <a:lstStyle/>
           <a:p>
-            <a:pPr marL="0" lvl="0" indent="0" algn="ctr" rtl="0">
-              <a:spcBef>
-                <a:spcPts val="0"/>
-              </a:spcBef>
-              <a:spcAft>
-                <a:spcPts val="0"/>
-              </a:spcAft>
-              <a:buClr>
-                <a:schemeClr val="dk1"/>
-              </a:buClr>
-              <a:buSzPts val="4200"/>
-              <a:buFont typeface="Calibri"/>
-              <a:buNone/>
-            </a:pPr>
             <a:r>
-              <a:rPr lang="en"/>
-              <a:t>Insert your title here</a:t>
+              <a:rPr lang="en-US" dirty="0"/>
+              <a:t>Data Preprocessing </a:t>
             </a:r>
-            <a:endParaRPr/>
           </a:p>
         </p:txBody>
       </p:sp>
       <p:sp>
         <p:nvSpPr>
-          <p:cNvPr id="293" name="Google Shape;293;p35"/>
-          <p:cNvSpPr txBox="1">
+          <p:cNvPr id="3" name="Text Placeholder 2">
+            <a:extLst>
+              <a:ext uri="{FF2B5EF4-FFF2-40B4-BE49-F238E27FC236}">
+                <a16:creationId xmlns:a16="http://schemas.microsoft.com/office/drawing/2014/main" id="{26B05DA1-AC00-799C-0941-92D0F2FEAF98}"/>
+              </a:ext>
+            </a:extLst>
+          </p:cNvPr>
+          <p:cNvSpPr>
             <a:spLocks noGrp="1"/>
           </p:cNvSpPr>
           <p:nvPr>
@@ -32264,93 +34557,106 @@
         </p:nvSpPr>
         <p:spPr>
           <a:xfrm>
-            <a:off x="467544" y="1419622"/>
-            <a:ext cx="8208912" cy="2982516"/>
+            <a:off x="1857798" y="1414585"/>
+            <a:ext cx="6818658" cy="3090889"/>
           </a:xfrm>
-          <a:prstGeom prst="rect">
-            <a:avLst/>
-          </a:prstGeom>
-          <a:noFill/>
-          <a:ln>
-            <a:noFill/>
-          </a:ln>
         </p:spPr>
         <p:txBody>
-          <a:bodyPr spcFirstLastPara="1" wrap="square" lIns="91425" tIns="45700" rIns="91425" bIns="45700" anchor="t" anchorCtr="0">
-            <a:noAutofit/>
-          </a:bodyPr>
+          <a:bodyPr/>
           <a:lstStyle/>
           <a:p>
-            <a:pPr marL="0" marR="0" lvl="0" indent="0" algn="ctr" rtl="0">
-              <a:lnSpc>
-                <a:spcPct val="100000"/>
-              </a:lnSpc>
-              <a:spcBef>
-                <a:spcPts val="0"/>
-              </a:spcBef>
-              <a:spcAft>
-                <a:spcPts val="0"/>
-              </a:spcAft>
-              <a:buClr>
-                <a:schemeClr val="dk1"/>
-              </a:buClr>
-              <a:buSzPts val="2200"/>
-              <a:buFont typeface="Arial"/>
-              <a:buNone/>
+            <a:pPr marL="514350" indent="-285750">
+              <a:buFont typeface="Arial" panose="020B0604020202020204" pitchFamily="34" charset="0"/>
+              <a:buChar char="•"/>
             </a:pPr>
             <a:r>
-              <a:rPr lang="en"/>
-              <a:t>Ut enim ad minim veniam, quis nostrud exercitation ullamco laboris nisi ut aliquip ex ea commodo consequat.</a:t>
+              <a:rPr lang="en-US" sz="2000" dirty="0"/>
+              <a:t>Feature Selection</a:t>
             </a:r>
-            <a:endParaRPr/>
+            <a:r>
+              <a:rPr lang="en-US" sz="1800" dirty="0"/>
+              <a:t>:</a:t>
+            </a:r>
           </a:p>
           <a:p>
-            <a:pPr marL="0" marR="0" lvl="0" indent="0" algn="ctr" rtl="0">
-              <a:lnSpc>
-                <a:spcPct val="100000"/>
-              </a:lnSpc>
-              <a:spcBef>
-                <a:spcPts val="440"/>
-              </a:spcBef>
-              <a:spcAft>
-                <a:spcPts val="0"/>
-              </a:spcAft>
-              <a:buClr>
-                <a:schemeClr val="dk1"/>
-              </a:buClr>
-              <a:buSzPts val="2200"/>
-              <a:buFont typeface="Arial"/>
-              <a:buNone/>
+            <a:pPr marL="971550" lvl="1" indent="-285750">
+              <a:buFont typeface="Courier New" panose="02070309020205020404" pitchFamily="49" charset="0"/>
+              <a:buChar char="o"/>
             </a:pPr>
-            <a:endParaRPr/>
+            <a:r>
+              <a:rPr lang="en-US" sz="1600" dirty="0"/>
+              <a:t>Removed identifier columns (e.g., policy number) and redundant variables that add no predictive value.</a:t>
+            </a:r>
+            <a:endParaRPr lang="en-US" sz="1800" dirty="0"/>
           </a:p>
           <a:p>
-            <a:pPr marL="0" marR="0" lvl="0" indent="0" algn="ctr" rtl="0">
-              <a:lnSpc>
-                <a:spcPct val="100000"/>
-              </a:lnSpc>
-              <a:spcBef>
-                <a:spcPts val="440"/>
-              </a:spcBef>
-              <a:spcAft>
-                <a:spcPts val="0"/>
-              </a:spcAft>
-              <a:buClr>
-                <a:schemeClr val="dk1"/>
-              </a:buClr>
-              <a:buSzPts val="2200"/>
-              <a:buFont typeface="Arial"/>
-              <a:buNone/>
+            <a:pPr marL="514350" indent="-285750">
+              <a:buFont typeface="Arial" panose="020B0604020202020204" pitchFamily="34" charset="0"/>
+              <a:buChar char="•"/>
             </a:pPr>
             <a:r>
-              <a:rPr lang="en"/>
-              <a:t>Lorem ipsum dolor sit amet, consectetur adipisicing elit, sed do eiusmod tempor incididunt ut labore et dolore magna aliqua. </a:t>
+              <a:rPr lang="en-US" sz="1800" dirty="0"/>
+              <a:t>Missing Values:</a:t>
             </a:r>
-            <a:endParaRPr/>
+          </a:p>
+          <a:p>
+            <a:pPr marL="1028700" lvl="1">
+              <a:buFont typeface="Courier New" panose="02070309020205020404" pitchFamily="49" charset="0"/>
+              <a:buChar char="o"/>
+            </a:pPr>
+            <a:r>
+              <a:rPr lang="en-US" sz="1600" dirty="0"/>
+              <a:t>No missing values were found in the dataset</a:t>
+            </a:r>
+          </a:p>
+          <a:p>
+            <a:pPr marL="514350" indent="-285750">
+              <a:buFont typeface="Arial" panose="020B0604020202020204" pitchFamily="34" charset="0"/>
+              <a:buChar char="•"/>
+            </a:pPr>
+            <a:r>
+              <a:rPr lang="en-US" sz="1800" dirty="0"/>
+              <a:t>Encoding:</a:t>
+            </a:r>
+          </a:p>
+          <a:p>
+            <a:pPr marL="971550" lvl="1" indent="-285750">
+              <a:buFont typeface="Courier New" panose="02070309020205020404" pitchFamily="49" charset="0"/>
+              <a:buChar char="o"/>
+            </a:pPr>
+            <a:r>
+              <a:rPr lang="en-US" sz="1600" dirty="0"/>
+              <a:t>Applied one-hot, label and ordinal encoding on categorical features.</a:t>
+            </a:r>
+          </a:p>
+          <a:p>
+            <a:pPr marL="514350" indent="-285750">
+              <a:buFont typeface="Arial" panose="020B0604020202020204" pitchFamily="34" charset="0"/>
+              <a:buChar char="•"/>
+            </a:pPr>
+            <a:r>
+              <a:rPr lang="en-US" sz="1800" dirty="0"/>
+              <a:t>Scaling:</a:t>
+            </a:r>
+          </a:p>
+          <a:p>
+            <a:pPr marL="1028700" lvl="1">
+              <a:buFont typeface="Courier New" panose="02070309020205020404" pitchFamily="49" charset="0"/>
+              <a:buChar char="o"/>
+            </a:pPr>
+            <a:r>
+              <a:rPr lang="en-US" sz="1600" dirty="0"/>
+              <a:t>Standardized or Normalized numerical features to ensure compatibility with distance-based algorithms like KNN and SVM.</a:t>
+            </a:r>
           </a:p>
         </p:txBody>
       </p:sp>
     </p:spTree>
+    <p:extLst>
+      <p:ext uri="{BB962C8B-B14F-4D97-AF65-F5344CB8AC3E}">
+        <p14:creationId xmlns:p14="http://schemas.microsoft.com/office/powerpoint/2010/main" val="3199650185"/>
+      </p:ext>
+    </p:extLst>
   </p:cSld>
   <p:clrMapOvr>
     <a:masterClrMapping/>

--- a/reports/0_Machine Learning Presentation Template - Templateswise.com.pptx
+++ b/reports/0_Machine Learning Presentation Template - Templateswise.com.pptx
@@ -31373,7 +31373,7 @@
             </a:pPr>
             <a:r>
               <a:rPr lang="en" dirty="0"/>
-              <a:t>Flagging potential  vehicle insurance frauds</a:t>
+              <a:t>Flagging potential  vehicle insurance frauds using ML</a:t>
             </a:r>
             <a:endParaRPr dirty="0"/>
           </a:p>
@@ -31442,7 +31442,7 @@
             </a:pPr>
             <a:r>
               <a:rPr lang="en" dirty="0"/>
-              <a:t>David Naumovski</a:t>
+              <a:t>David Naumovski 100/2022</a:t>
             </a:r>
           </a:p>
           <a:p>
@@ -31461,9 +31461,374 @@
             </a:pPr>
             <a:r>
               <a:rPr lang="en" dirty="0"/>
-              <a:t>Mihajlo Naumoski</a:t>
+              <a:t>Mihajlo Naumoski 101/2022</a:t>
             </a:r>
             <a:endParaRPr dirty="0"/>
+          </a:p>
+        </p:txBody>
+      </p:sp>
+      <p:sp>
+        <p:nvSpPr>
+          <p:cNvPr id="2" name="Google Shape;262;p31">
+            <a:extLst>
+              <a:ext uri="{FF2B5EF4-FFF2-40B4-BE49-F238E27FC236}">
+                <a16:creationId xmlns:a16="http://schemas.microsoft.com/office/drawing/2014/main" id="{C00B3182-161F-61DA-5413-654C1769C5BC}"/>
+              </a:ext>
+            </a:extLst>
+          </p:cNvPr>
+          <p:cNvSpPr txBox="1">
+            <a:spLocks/>
+          </p:cNvSpPr>
+          <p:nvPr/>
+        </p:nvSpPr>
+        <p:spPr>
+          <a:xfrm>
+            <a:off x="4778797" y="4119048"/>
+            <a:ext cx="4012200" cy="452400"/>
+          </a:xfrm>
+          <a:prstGeom prst="rect">
+            <a:avLst/>
+          </a:prstGeom>
+          <a:noFill/>
+          <a:ln>
+            <a:noFill/>
+          </a:ln>
+        </p:spPr>
+        <p:txBody>
+          <a:bodyPr spcFirstLastPara="1" wrap="square" lIns="91425" tIns="45700" rIns="91425" bIns="45700" anchor="ctr" anchorCtr="0">
+            <a:noAutofit/>
+          </a:bodyPr>
+          <a:lstStyle>
+            <a:defPPr marR="0" lvl="0" algn="l" rtl="0">
+              <a:lnSpc>
+                <a:spcPct val="100000"/>
+              </a:lnSpc>
+              <a:spcBef>
+                <a:spcPts val="0"/>
+              </a:spcBef>
+              <a:spcAft>
+                <a:spcPts val="0"/>
+              </a:spcAft>
+            </a:defPPr>
+            <a:lvl1pPr marL="457200" marR="0" lvl="0" indent="-228600" algn="l" rtl="0">
+              <a:lnSpc>
+                <a:spcPct val="100000"/>
+              </a:lnSpc>
+              <a:spcBef>
+                <a:spcPts val="360"/>
+              </a:spcBef>
+              <a:spcAft>
+                <a:spcPts val="0"/>
+              </a:spcAft>
+              <a:buClr>
+                <a:schemeClr val="lt1"/>
+              </a:buClr>
+              <a:buSzPts val="1800"/>
+              <a:buFont typeface="Arial"/>
+              <a:buNone/>
+              <a:defRPr sz="1800" b="0" i="0" u="none" strike="noStrike" cap="none">
+                <a:solidFill>
+                  <a:schemeClr val="lt1"/>
+                </a:solidFill>
+                <a:latin typeface="Calibri"/>
+                <a:ea typeface="Calibri"/>
+                <a:cs typeface="Calibri"/>
+                <a:sym typeface="Calibri"/>
+              </a:defRPr>
+            </a:lvl1pPr>
+            <a:lvl2pPr marL="914400" marR="0" lvl="1" indent="-342900" algn="l" rtl="0">
+              <a:lnSpc>
+                <a:spcPct val="100000"/>
+              </a:lnSpc>
+              <a:spcBef>
+                <a:spcPts val="360"/>
+              </a:spcBef>
+              <a:spcAft>
+                <a:spcPts val="0"/>
+              </a:spcAft>
+              <a:buClr>
+                <a:schemeClr val="dk1"/>
+              </a:buClr>
+              <a:buSzPts val="1800"/>
+              <a:buFont typeface="Arial"/>
+              <a:buChar char="–"/>
+              <a:defRPr sz="2800" b="0" i="0" u="none" strike="noStrike" cap="none">
+                <a:solidFill>
+                  <a:schemeClr val="dk1"/>
+                </a:solidFill>
+                <a:latin typeface="Calibri"/>
+                <a:ea typeface="Calibri"/>
+                <a:cs typeface="Calibri"/>
+                <a:sym typeface="Calibri"/>
+              </a:defRPr>
+            </a:lvl2pPr>
+            <a:lvl3pPr marL="1371600" marR="0" lvl="2" indent="-342900" algn="l" rtl="0">
+              <a:lnSpc>
+                <a:spcPct val="100000"/>
+              </a:lnSpc>
+              <a:spcBef>
+                <a:spcPts val="360"/>
+              </a:spcBef>
+              <a:spcAft>
+                <a:spcPts val="0"/>
+              </a:spcAft>
+              <a:buClr>
+                <a:schemeClr val="dk1"/>
+              </a:buClr>
+              <a:buSzPts val="1800"/>
+              <a:buFont typeface="Arial"/>
+              <a:buChar char="•"/>
+              <a:defRPr sz="2400" b="0" i="0" u="none" strike="noStrike" cap="none">
+                <a:solidFill>
+                  <a:schemeClr val="dk1"/>
+                </a:solidFill>
+                <a:latin typeface="Calibri"/>
+                <a:ea typeface="Calibri"/>
+                <a:cs typeface="Calibri"/>
+                <a:sym typeface="Calibri"/>
+              </a:defRPr>
+            </a:lvl3pPr>
+            <a:lvl4pPr marL="1828800" marR="0" lvl="3" indent="-342900" algn="l" rtl="0">
+              <a:lnSpc>
+                <a:spcPct val="100000"/>
+              </a:lnSpc>
+              <a:spcBef>
+                <a:spcPts val="360"/>
+              </a:spcBef>
+              <a:spcAft>
+                <a:spcPts val="0"/>
+              </a:spcAft>
+              <a:buClr>
+                <a:schemeClr val="dk1"/>
+              </a:buClr>
+              <a:buSzPts val="1800"/>
+              <a:buFont typeface="Arial"/>
+              <a:buChar char="–"/>
+              <a:defRPr sz="2000" b="0" i="0" u="none" strike="noStrike" cap="none">
+                <a:solidFill>
+                  <a:schemeClr val="dk1"/>
+                </a:solidFill>
+                <a:latin typeface="Calibri"/>
+                <a:ea typeface="Calibri"/>
+                <a:cs typeface="Calibri"/>
+                <a:sym typeface="Calibri"/>
+              </a:defRPr>
+            </a:lvl4pPr>
+            <a:lvl5pPr marL="2286000" marR="0" lvl="4" indent="-342900" algn="l" rtl="0">
+              <a:lnSpc>
+                <a:spcPct val="100000"/>
+              </a:lnSpc>
+              <a:spcBef>
+                <a:spcPts val="360"/>
+              </a:spcBef>
+              <a:spcAft>
+                <a:spcPts val="0"/>
+              </a:spcAft>
+              <a:buClr>
+                <a:schemeClr val="dk1"/>
+              </a:buClr>
+              <a:buSzPts val="1800"/>
+              <a:buFont typeface="Arial"/>
+              <a:buChar char="»"/>
+              <a:defRPr sz="2000" b="0" i="0" u="none" strike="noStrike" cap="none">
+                <a:solidFill>
+                  <a:schemeClr val="dk1"/>
+                </a:solidFill>
+                <a:latin typeface="Calibri"/>
+                <a:ea typeface="Calibri"/>
+                <a:cs typeface="Calibri"/>
+                <a:sym typeface="Calibri"/>
+              </a:defRPr>
+            </a:lvl5pPr>
+            <a:lvl6pPr marL="2743200" marR="0" lvl="5" indent="-342900" algn="l" rtl="0">
+              <a:lnSpc>
+                <a:spcPct val="100000"/>
+              </a:lnSpc>
+              <a:spcBef>
+                <a:spcPts val="360"/>
+              </a:spcBef>
+              <a:spcAft>
+                <a:spcPts val="0"/>
+              </a:spcAft>
+              <a:buClr>
+                <a:schemeClr val="dk1"/>
+              </a:buClr>
+              <a:buSzPts val="1800"/>
+              <a:buFont typeface="Arial"/>
+              <a:buChar char="•"/>
+              <a:defRPr sz="2000" b="0" i="0" u="none" strike="noStrike" cap="none">
+                <a:solidFill>
+                  <a:schemeClr val="dk1"/>
+                </a:solidFill>
+                <a:latin typeface="Calibri"/>
+                <a:ea typeface="Calibri"/>
+                <a:cs typeface="Calibri"/>
+                <a:sym typeface="Calibri"/>
+              </a:defRPr>
+            </a:lvl6pPr>
+            <a:lvl7pPr marL="3200400" marR="0" lvl="6" indent="-342900" algn="l" rtl="0">
+              <a:lnSpc>
+                <a:spcPct val="100000"/>
+              </a:lnSpc>
+              <a:spcBef>
+                <a:spcPts val="360"/>
+              </a:spcBef>
+              <a:spcAft>
+                <a:spcPts val="0"/>
+              </a:spcAft>
+              <a:buClr>
+                <a:schemeClr val="dk1"/>
+              </a:buClr>
+              <a:buSzPts val="1800"/>
+              <a:buFont typeface="Arial"/>
+              <a:buChar char="•"/>
+              <a:defRPr sz="2000" b="0" i="0" u="none" strike="noStrike" cap="none">
+                <a:solidFill>
+                  <a:schemeClr val="dk1"/>
+                </a:solidFill>
+                <a:latin typeface="Calibri"/>
+                <a:ea typeface="Calibri"/>
+                <a:cs typeface="Calibri"/>
+                <a:sym typeface="Calibri"/>
+              </a:defRPr>
+            </a:lvl7pPr>
+            <a:lvl8pPr marL="3657600" marR="0" lvl="7" indent="-342900" algn="l" rtl="0">
+              <a:lnSpc>
+                <a:spcPct val="100000"/>
+              </a:lnSpc>
+              <a:spcBef>
+                <a:spcPts val="360"/>
+              </a:spcBef>
+              <a:spcAft>
+                <a:spcPts val="0"/>
+              </a:spcAft>
+              <a:buClr>
+                <a:schemeClr val="dk1"/>
+              </a:buClr>
+              <a:buSzPts val="1800"/>
+              <a:buFont typeface="Arial"/>
+              <a:buChar char="•"/>
+              <a:defRPr sz="2000" b="0" i="0" u="none" strike="noStrike" cap="none">
+                <a:solidFill>
+                  <a:schemeClr val="dk1"/>
+                </a:solidFill>
+                <a:latin typeface="Calibri"/>
+                <a:ea typeface="Calibri"/>
+                <a:cs typeface="Calibri"/>
+                <a:sym typeface="Calibri"/>
+              </a:defRPr>
+            </a:lvl8pPr>
+            <a:lvl9pPr marL="4114800" marR="0" lvl="8" indent="-342900" algn="l" rtl="0">
+              <a:lnSpc>
+                <a:spcPct val="100000"/>
+              </a:lnSpc>
+              <a:spcBef>
+                <a:spcPts val="360"/>
+              </a:spcBef>
+              <a:spcAft>
+                <a:spcPts val="0"/>
+              </a:spcAft>
+              <a:buClr>
+                <a:schemeClr val="dk1"/>
+              </a:buClr>
+              <a:buSzPts val="1800"/>
+              <a:buFont typeface="Arial"/>
+              <a:buChar char="•"/>
+              <a:defRPr sz="2000" b="0" i="0" u="none" strike="noStrike" cap="none">
+                <a:solidFill>
+                  <a:schemeClr val="dk1"/>
+                </a:solidFill>
+                <a:latin typeface="Calibri"/>
+                <a:ea typeface="Calibri"/>
+                <a:cs typeface="Calibri"/>
+                <a:sym typeface="Calibri"/>
+              </a:defRPr>
+            </a:lvl9pPr>
+          </a:lstStyle>
+          <a:p>
+            <a:pPr marL="0" indent="0">
+              <a:spcBef>
+                <a:spcPts val="0"/>
+              </a:spcBef>
+            </a:pPr>
+            <a:r>
+              <a:rPr lang="en-US" dirty="0">
+                <a:solidFill>
+                  <a:schemeClr val="tx1">
+                    <a:lumMod val="50000"/>
+                  </a:schemeClr>
+                </a:solidFill>
+              </a:rPr>
+              <a:t>Mentor:</a:t>
+            </a:r>
+            <a:endParaRPr lang="pl-PL" dirty="0">
+              <a:solidFill>
+                <a:schemeClr val="tx1">
+                  <a:lumMod val="50000"/>
+                </a:schemeClr>
+              </a:solidFill>
+            </a:endParaRPr>
+          </a:p>
+          <a:p>
+            <a:pPr marL="0" indent="0">
+              <a:spcBef>
+                <a:spcPts val="0"/>
+              </a:spcBef>
+            </a:pPr>
+            <a:r>
+              <a:rPr lang="en-US" dirty="0">
+                <a:solidFill>
+                  <a:schemeClr val="tx1">
+                    <a:lumMod val="50000"/>
+                  </a:schemeClr>
+                </a:solidFill>
+              </a:rPr>
+              <a:t>Prof. Dr. </a:t>
+            </a:r>
+            <a:r>
+              <a:rPr lang="en-US" dirty="0" err="1">
+                <a:solidFill>
+                  <a:schemeClr val="tx1">
+                    <a:lumMod val="50000"/>
+                  </a:schemeClr>
+                </a:solidFill>
+              </a:rPr>
+              <a:t>Hristijan</a:t>
+            </a:r>
+            <a:r>
+              <a:rPr lang="en-US" dirty="0">
+                <a:solidFill>
+                  <a:schemeClr val="tx1">
+                    <a:lumMod val="50000"/>
+                  </a:schemeClr>
+                </a:solidFill>
+              </a:rPr>
+              <a:t> </a:t>
+            </a:r>
+            <a:r>
+              <a:rPr lang="en-US" dirty="0" err="1">
+                <a:solidFill>
+                  <a:schemeClr val="tx1">
+                    <a:lumMod val="50000"/>
+                  </a:schemeClr>
+                </a:solidFill>
+              </a:rPr>
+              <a:t>Gjoreski</a:t>
+            </a:r>
+            <a:r>
+              <a:rPr lang="en-US" dirty="0">
+                <a:solidFill>
+                  <a:schemeClr val="tx1">
+                    <a:lumMod val="50000"/>
+                  </a:schemeClr>
+                </a:solidFill>
+              </a:rPr>
+              <a:t> </a:t>
+            </a:r>
+            <a:r>
+              <a:rPr lang="pl-PL" dirty="0"/>
+              <a:t>/2022</a:t>
+            </a:r>
           </a:p>
         </p:txBody>
       </p:sp>
@@ -33321,6 +33686,48 @@
           </a:prstGeom>
         </p:spPr>
       </p:pic>
+      <p:sp>
+        <p:nvSpPr>
+          <p:cNvPr id="3" name="TextBox 2">
+            <a:extLst>
+              <a:ext uri="{FF2B5EF4-FFF2-40B4-BE49-F238E27FC236}">
+                <a16:creationId xmlns:a16="http://schemas.microsoft.com/office/drawing/2014/main" id="{EBF0D83A-91A0-E494-756B-9E9C2FF587E9}"/>
+              </a:ext>
+            </a:extLst>
+          </p:cNvPr>
+          <p:cNvSpPr txBox="1"/>
+          <p:nvPr/>
+        </p:nvSpPr>
+        <p:spPr>
+          <a:xfrm>
+            <a:off x="695569" y="3931138"/>
+            <a:ext cx="7924800" cy="307777"/>
+          </a:xfrm>
+          <a:prstGeom prst="rect">
+            <a:avLst/>
+          </a:prstGeom>
+          <a:noFill/>
+        </p:spPr>
+        <p:txBody>
+          <a:bodyPr wrap="square" rtlCol="0">
+            <a:spAutoFit/>
+          </a:bodyPr>
+          <a:lstStyle/>
+          <a:p>
+            <a:r>
+              <a:rPr lang="en-US" dirty="0"/>
+              <a:t>View notebook:  </a:t>
+            </a:r>
+            <a:r>
+              <a:rPr lang="en-US" dirty="0">
+                <a:hlinkClick r:id="rId3"/>
+              </a:rPr>
+              <a:t>vehicle-insurance-claim-fraud-detection-ML</a:t>
+            </a:r>
+            <a:endParaRPr lang="en-US" dirty="0"/>
+          </a:p>
+        </p:txBody>
+      </p:sp>
     </p:spTree>
     <p:extLst>
       <p:ext uri="{BB962C8B-B14F-4D97-AF65-F5344CB8AC3E}">
